--- a/overview/images/toolchain.pptx
+++ b/overview/images/toolchain.pptx
@@ -229,7 +229,7 @@
               <a:rPr lang="fr-FR" smtClean="0">
                 <a:latin typeface="Calibri Regular" charset="0"/>
               </a:rPr>
-              <a:t>février 20</a:t>
+              <a:t>septembre 21</a:t>
             </a:fld>
             <a:endParaRPr lang="en-US" dirty="0">
               <a:latin typeface="Calibri Regular" charset="0"/>
@@ -408,7 +408,7 @@
             <a:fld id="{79958FA1-9FE8-F149-AB4B-7DC9950B39E9}" type="datetime6">
               <a:rPr lang="fr-FR" smtClean="0"/>
               <a:pPr/>
-              <a:t>février 20</a:t>
+              <a:t>septembre 21</a:t>
             </a:fld>
             <a:endParaRPr lang="en-US" dirty="0"/>
           </a:p>
@@ -472,38 +472,37 @@
           <a:p>
             <a:pPr lvl="0"/>
             <a:r>
-              <a:rPr lang="en-US" dirty="0" smtClean="0"/>
+              <a:rPr lang="en-US" dirty="0"/>
               <a:t>Click to edit Master text styles</a:t>
             </a:r>
           </a:p>
           <a:p>
             <a:pPr lvl="1"/>
             <a:r>
-              <a:rPr lang="en-US" dirty="0" smtClean="0"/>
+              <a:rPr lang="en-US" dirty="0"/>
               <a:t>Second level</a:t>
             </a:r>
           </a:p>
           <a:p>
             <a:pPr lvl="2"/>
             <a:r>
-              <a:rPr lang="en-US" dirty="0" smtClean="0"/>
+              <a:rPr lang="en-US" dirty="0"/>
               <a:t>Third level</a:t>
             </a:r>
           </a:p>
           <a:p>
             <a:pPr lvl="3"/>
             <a:r>
-              <a:rPr lang="en-US" dirty="0" smtClean="0"/>
+              <a:rPr lang="en-US" dirty="0"/>
               <a:t>Fourth level</a:t>
             </a:r>
           </a:p>
           <a:p>
             <a:pPr lvl="4"/>
             <a:r>
-              <a:rPr lang="en-US" dirty="0" smtClean="0"/>
+              <a:rPr lang="en-US" dirty="0"/>
               <a:t>Fifth level</a:t>
             </a:r>
-            <a:endParaRPr lang="en-US" dirty="0"/>
           </a:p>
         </p:txBody>
       </p:sp>
@@ -731,7 +730,7 @@
           </a:lstStyle>
           <a:p>
             <a:r>
-              <a:rPr lang="en-US" smtClean="0"/>
+              <a:rPr lang="en-US"/>
               <a:t>Click to edit Master title style</a:t>
             </a:r>
             <a:endParaRPr lang="en-US" dirty="0"/>
@@ -851,7 +850,7 @@
           </a:lstStyle>
           <a:p>
             <a:r>
-              <a:rPr lang="en-US" smtClean="0"/>
+              <a:rPr lang="en-US"/>
               <a:t>Click to edit Master subtitle style</a:t>
             </a:r>
             <a:endParaRPr lang="en-US" dirty="0"/>
@@ -881,7 +880,7 @@
           <a:p>
             <a:pPr algn="ctr"/>
             <a:r>
-              <a:rPr lang="en-US" sz="1200" b="0" i="0" dirty="0" smtClean="0">
+              <a:rPr lang="en-US" sz="1200" b="0" i="0" dirty="0">
                 <a:solidFill>
                   <a:schemeClr val="tx2"/>
                 </a:solidFill>
@@ -934,13 +933,6 @@
   <p:clrMapOvr>
     <a:masterClrMapping/>
   </p:clrMapOvr>
-  <p:timing>
-    <p:tnLst>
-      <p:par>
-        <p:cTn id="1" dur="indefinite" restart="never" nodeType="tmRoot"/>
-      </p:par>
-    </p:tnLst>
-  </p:timing>
 </p:sldLayout>
 </file>
 
@@ -1018,35 +1010,35 @@
           <a:p>
             <a:pPr lvl="0"/>
             <a:r>
-              <a:rPr lang="en-US" smtClean="0"/>
+              <a:rPr lang="en-US"/>
               <a:t>Click to edit Master text styles</a:t>
             </a:r>
           </a:p>
           <a:p>
             <a:pPr lvl="1"/>
             <a:r>
-              <a:rPr lang="en-US" smtClean="0"/>
+              <a:rPr lang="en-US"/>
               <a:t>Second level</a:t>
             </a:r>
           </a:p>
           <a:p>
             <a:pPr lvl="2"/>
             <a:r>
-              <a:rPr lang="en-US" smtClean="0"/>
+              <a:rPr lang="en-US"/>
               <a:t>Third level</a:t>
             </a:r>
           </a:p>
           <a:p>
             <a:pPr lvl="3"/>
             <a:r>
-              <a:rPr lang="en-US" smtClean="0"/>
+              <a:rPr lang="en-US"/>
               <a:t>Fourth level</a:t>
             </a:r>
           </a:p>
           <a:p>
             <a:pPr lvl="4"/>
             <a:r>
-              <a:rPr lang="en-US" smtClean="0"/>
+              <a:rPr lang="en-US"/>
               <a:t>Fifth level</a:t>
             </a:r>
             <a:endParaRPr lang="en-US" dirty="0"/>
@@ -1114,7 +1106,7 @@
           <a:p>
             <a:pPr lvl="0"/>
             <a:r>
-              <a:rPr lang="en-US" smtClean="0"/>
+              <a:rPr lang="en-US"/>
               <a:t>Click to edit Master text styles</a:t>
             </a:r>
           </a:p>
@@ -1147,7 +1139,7 @@
           </a:lstStyle>
           <a:p>
             <a:r>
-              <a:rPr lang="en-US" smtClean="0"/>
+              <a:rPr lang="en-US"/>
               <a:t>Click to edit Master title style</a:t>
             </a:r>
             <a:endParaRPr lang="fr-FR" dirty="0"/>
@@ -1171,7 +1163,7 @@
           <a:p>
             <a:fld id="{7E8DAAE0-7A9E-9F46-B84D-C44AC8DB25A2}" type="datetime6">
               <a:rPr lang="fr-FR" smtClean="0"/>
-              <a:t>février 20</a:t>
+              <a:t>septembre 21</a:t>
             </a:fld>
             <a:endParaRPr lang="en-US" dirty="0"/>
           </a:p>
@@ -1252,13 +1244,6 @@
   <p:clrMapOvr>
     <a:masterClrMapping/>
   </p:clrMapOvr>
-  <p:timing>
-    <p:tnLst>
-      <p:par>
-        <p:cTn id="1" dur="indefinite" restart="never" nodeType="tmRoot"/>
-      </p:par>
-    </p:tnLst>
-  </p:timing>
 </p:sldLayout>
 </file>
 
@@ -1304,7 +1289,7 @@
           </a:lstStyle>
           <a:p>
             <a:r>
-              <a:rPr lang="en-US" smtClean="0"/>
+              <a:rPr lang="en-US"/>
               <a:t>Click to edit Master title style</a:t>
             </a:r>
             <a:endParaRPr lang="fr-FR" dirty="0"/>
@@ -1328,7 +1313,7 @@
           <a:p>
             <a:fld id="{F9582307-04DB-2F4D-BDB0-614E4902BA9E}" type="datetime6">
               <a:rPr lang="fr-FR" smtClean="0"/>
-              <a:t>février 20</a:t>
+              <a:t>septembre 21</a:t>
             </a:fld>
             <a:endParaRPr lang="en-US" dirty="0"/>
           </a:p>
@@ -1379,7 +1364,7 @@
           <a:lstStyle/>
           <a:p>
             <a:r>
-              <a:rPr lang="en-US" smtClean="0"/>
+              <a:rPr lang="en-US"/>
               <a:t>Drag picture to placeholder or click icon to add</a:t>
             </a:r>
             <a:endParaRPr lang="fr-FR" dirty="0"/>
@@ -1437,13 +1422,6 @@
   <p:clrMapOvr>
     <a:masterClrMapping/>
   </p:clrMapOvr>
-  <p:timing>
-    <p:tnLst>
-      <p:par>
-        <p:cTn id="1" dur="indefinite" restart="never" nodeType="tmRoot"/>
-      </p:par>
-    </p:tnLst>
-  </p:timing>
 </p:sldLayout>
 </file>
 
@@ -1481,7 +1459,7 @@
           <a:p>
             <a:fld id="{180A4ADF-D2E2-C44F-9BED-DE909ECFAA4C}" type="datetime6">
               <a:rPr lang="fr-FR" smtClean="0"/>
-              <a:t>février 20</a:t>
+              <a:t>septembre 21</a:t>
             </a:fld>
             <a:endParaRPr lang="en-US" dirty="0"/>
           </a:p>
@@ -1532,7 +1510,7 @@
           <a:lstStyle/>
           <a:p>
             <a:r>
-              <a:rPr lang="en-US" smtClean="0"/>
+              <a:rPr lang="en-US"/>
               <a:t>Drag picture to placeholder or click icon to add</a:t>
             </a:r>
             <a:endParaRPr lang="fr-FR" dirty="0"/>
@@ -1590,13 +1568,6 @@
   <p:clrMapOvr>
     <a:masterClrMapping/>
   </p:clrMapOvr>
-  <p:timing>
-    <p:tnLst>
-      <p:par>
-        <p:cTn id="1" dur="indefinite" restart="never" nodeType="tmRoot"/>
-      </p:par>
-    </p:tnLst>
-  </p:timing>
 </p:sldLayout>
 </file>
 
@@ -1689,7 +1660,7 @@
             <a:fld id="{22DD8F49-BF83-0E4D-8954-2DA98C3220A2}" type="datetime6">
               <a:rPr lang="fr-FR" smtClean="0"/>
               <a:pPr/>
-              <a:t>février 20</a:t>
+              <a:t>septembre 21</a:t>
             </a:fld>
             <a:endParaRPr lang="en-US" dirty="0"/>
           </a:p>
@@ -1758,20 +1729,17 @@
           </a:lstStyle>
           <a:p>
             <a:r>
-              <a:rPr lang="en-US" sz="6600" dirty="0" smtClean="0"/>
+              <a:rPr lang="en-US" sz="6600" dirty="0"/>
               <a:t>THANK YOU </a:t>
             </a:r>
           </a:p>
           <a:p>
             <a:r>
-              <a:rPr lang="en-US" sz="2800" dirty="0" smtClean="0">
+              <a:rPr lang="en-US" sz="2800" dirty="0">
                 <a:latin typeface="+mn-lt"/>
               </a:rPr>
               <a:t>FOR YOUR ATTENTION!</a:t>
             </a:r>
-            <a:endParaRPr lang="en-US" sz="2800" dirty="0">
-              <a:latin typeface="+mn-lt"/>
-            </a:endParaRPr>
           </a:p>
         </p:txBody>
       </p:sp>
@@ -1866,7 +1834,7 @@
           <a:p>
             <a:pPr algn="ctr"/>
             <a:r>
-              <a:rPr lang="en-US" sz="1200" b="0" i="0" dirty="0" smtClean="0">
+              <a:rPr lang="en-US" sz="1200" b="0" i="0" dirty="0">
                 <a:solidFill>
                   <a:schemeClr val="accent1">
                     <a:lumMod val="40000"/>
@@ -1946,7 +1914,7 @@
           </a:lstStyle>
           <a:p>
             <a:r>
-              <a:rPr lang="en-US" smtClean="0"/>
+              <a:rPr lang="en-US"/>
               <a:t>Click to edit Master title style</a:t>
             </a:r>
             <a:endParaRPr lang="en-US" dirty="0"/>
@@ -2071,7 +2039,7 @@
           </a:lstStyle>
           <a:p>
             <a:r>
-              <a:rPr lang="en-US" smtClean="0"/>
+              <a:rPr lang="en-US"/>
               <a:t>Click to edit Master subtitle style</a:t>
             </a:r>
             <a:endParaRPr lang="en-US" dirty="0"/>
@@ -2088,13 +2056,6 @@
   <p:clrMapOvr>
     <a:overrideClrMapping bg1="lt1" tx1="dk1" bg2="lt2" tx2="dk2" accent1="accent1" accent2="accent2" accent3="accent3" accent4="accent4" accent5="accent5" accent6="accent6" hlink="hlink" folHlink="folHlink"/>
   </p:clrMapOvr>
-  <p:timing>
-    <p:tnLst>
-      <p:par>
-        <p:cTn id="1" dur="indefinite" restart="never" nodeType="tmRoot"/>
-      </p:par>
-    </p:tnLst>
-  </p:timing>
 </p:sldLayout>
 </file>
 
@@ -2177,7 +2138,7 @@
           </a:lstStyle>
           <a:p>
             <a:r>
-              <a:rPr lang="en-US" smtClean="0"/>
+              <a:rPr lang="en-US"/>
               <a:t>Click to edit Master title style</a:t>
             </a:r>
             <a:endParaRPr lang="en-US" dirty="0"/>
@@ -2297,7 +2258,7 @@
           </a:lstStyle>
           <a:p>
             <a:r>
-              <a:rPr lang="en-US" smtClean="0"/>
+              <a:rPr lang="en-US"/>
               <a:t>Click to edit Master subtitle style</a:t>
             </a:r>
             <a:endParaRPr lang="en-US" dirty="0"/>
@@ -2327,7 +2288,7 @@
           <a:p>
             <a:pPr algn="ctr"/>
             <a:r>
-              <a:rPr lang="en-US" sz="1200" b="0" i="0" dirty="0" smtClean="0">
+              <a:rPr lang="en-US" sz="1200" b="0" i="0" dirty="0">
                 <a:solidFill>
                   <a:schemeClr val="tx2"/>
                 </a:solidFill>
@@ -2380,13 +2341,6 @@
   <p:clrMapOvr>
     <a:masterClrMapping/>
   </p:clrMapOvr>
-  <p:timing>
-    <p:tnLst>
-      <p:par>
-        <p:cTn id="1" dur="indefinite" restart="never" nodeType="tmRoot"/>
-      </p:par>
-    </p:tnLst>
-  </p:timing>
 </p:sldLayout>
 </file>
 
@@ -2446,10 +2400,9 @@
           </a:lstStyle>
           <a:p>
             <a:r>
-              <a:rPr lang="en-US" dirty="0" smtClean="0"/>
+              <a:rPr lang="en-US" dirty="0"/>
               <a:t>Click to edit Section title style</a:t>
             </a:r>
-            <a:endParaRPr lang="en-US" dirty="0"/>
           </a:p>
         </p:txBody>
       </p:sp>
@@ -2504,13 +2457,6 @@
   <p:clrMapOvr>
     <a:masterClrMapping/>
   </p:clrMapOvr>
-  <p:timing>
-    <p:tnLst>
-      <p:par>
-        <p:cTn id="1" dur="indefinite" restart="never" nodeType="tmRoot"/>
-      </p:par>
-    </p:tnLst>
-  </p:timing>
 </p:sldLayout>
 </file>
 
@@ -2570,35 +2516,35 @@
           <a:p>
             <a:pPr lvl="0"/>
             <a:r>
-              <a:rPr lang="fr-FR" dirty="0" smtClean="0"/>
+              <a:rPr lang="fr-FR" dirty="0"/>
               <a:t>Cliquez et modifiez le contenu</a:t>
             </a:r>
           </a:p>
           <a:p>
             <a:pPr lvl="1"/>
             <a:r>
-              <a:rPr lang="fr-FR" dirty="0" smtClean="0"/>
+              <a:rPr lang="fr-FR" dirty="0"/>
               <a:t>Deuxième niveau</a:t>
             </a:r>
           </a:p>
           <a:p>
             <a:pPr lvl="2"/>
             <a:r>
-              <a:rPr lang="fr-FR" dirty="0" smtClean="0"/>
+              <a:rPr lang="fr-FR" dirty="0"/>
               <a:t>Troisième niveau</a:t>
             </a:r>
           </a:p>
           <a:p>
             <a:pPr lvl="3"/>
             <a:r>
-              <a:rPr lang="fr-FR" dirty="0" smtClean="0"/>
+              <a:rPr lang="fr-FR" dirty="0"/>
               <a:t>Quatrième niveau</a:t>
             </a:r>
           </a:p>
           <a:p>
             <a:pPr lvl="4"/>
             <a:r>
-              <a:rPr lang="fr-FR" dirty="0" smtClean="0"/>
+              <a:rPr lang="fr-FR" dirty="0"/>
               <a:t>Cinquième niveau</a:t>
             </a:r>
             <a:endParaRPr lang="en-US" dirty="0"/>
@@ -2663,7 +2609,7 @@
           <a:p>
             <a:fld id="{CFBFD163-B769-8340-9BFA-850DE925A786}" type="datetime6">
               <a:rPr lang="fr-FR" smtClean="0"/>
-              <a:t>février 20</a:t>
+              <a:t>septembre 21</a:t>
             </a:fld>
             <a:endParaRPr lang="en-US" dirty="0"/>
           </a:p>
@@ -2709,7 +2655,7 @@
           <a:lstStyle/>
           <a:p>
             <a:r>
-              <a:rPr lang="en-US" smtClean="0"/>
+              <a:rPr lang="en-US"/>
               <a:t>Click to edit Master title style</a:t>
             </a:r>
             <a:endParaRPr lang="fr-FR" dirty="0"/>
@@ -2726,13 +2672,6 @@
   <p:clrMapOvr>
     <a:masterClrMapping/>
   </p:clrMapOvr>
-  <p:timing>
-    <p:tnLst>
-      <p:par>
-        <p:cTn id="1" dur="indefinite" restart="never" nodeType="tmRoot"/>
-      </p:par>
-    </p:tnLst>
-  </p:timing>
 </p:sldLayout>
 </file>
 
@@ -2770,7 +2709,7 @@
           <a:p>
             <a:fld id="{D6DDDD81-934D-2440-96D5-710E55CF1726}" type="datetime6">
               <a:rPr lang="fr-FR" smtClean="0"/>
-              <a:t>février 20</a:t>
+              <a:t>septembre 21</a:t>
             </a:fld>
             <a:endParaRPr lang="en-US" dirty="0"/>
           </a:p>
@@ -2816,7 +2755,7 @@
           <a:lstStyle/>
           <a:p>
             <a:r>
-              <a:rPr lang="en-US" smtClean="0"/>
+              <a:rPr lang="en-US"/>
               <a:t>Click to edit Master title style</a:t>
             </a:r>
             <a:endParaRPr lang="fr-FR"/>
@@ -2873,35 +2812,35 @@
           <a:p>
             <a:pPr lvl="0"/>
             <a:r>
-              <a:rPr lang="fr-FR" dirty="0" smtClean="0"/>
+              <a:rPr lang="fr-FR" dirty="0"/>
               <a:t>Cliquez et modifiez le contenu</a:t>
             </a:r>
           </a:p>
           <a:p>
             <a:pPr lvl="1"/>
             <a:r>
-              <a:rPr lang="fr-FR" dirty="0" smtClean="0"/>
+              <a:rPr lang="fr-FR" dirty="0"/>
               <a:t>Deuxième niveau</a:t>
             </a:r>
           </a:p>
           <a:p>
             <a:pPr lvl="2"/>
             <a:r>
-              <a:rPr lang="fr-FR" dirty="0" smtClean="0"/>
+              <a:rPr lang="fr-FR" dirty="0"/>
               <a:t>Troisième niveau</a:t>
             </a:r>
           </a:p>
           <a:p>
             <a:pPr lvl="3"/>
             <a:r>
-              <a:rPr lang="fr-FR" dirty="0" smtClean="0"/>
+              <a:rPr lang="fr-FR" dirty="0"/>
               <a:t>Quatrième niveau</a:t>
             </a:r>
           </a:p>
           <a:p>
             <a:pPr lvl="4"/>
             <a:r>
-              <a:rPr lang="fr-FR" dirty="0" smtClean="0"/>
+              <a:rPr lang="fr-FR" dirty="0"/>
               <a:t>Cinquième niveau</a:t>
             </a:r>
             <a:endParaRPr lang="en-US" dirty="0"/>
@@ -2958,35 +2897,35 @@
           <a:p>
             <a:pPr lvl="0"/>
             <a:r>
-              <a:rPr lang="fr-FR" dirty="0" smtClean="0"/>
+              <a:rPr lang="fr-FR" dirty="0"/>
               <a:t>Cliquez et modifiez le contenu</a:t>
             </a:r>
           </a:p>
           <a:p>
             <a:pPr lvl="1"/>
             <a:r>
-              <a:rPr lang="fr-FR" dirty="0" smtClean="0"/>
+              <a:rPr lang="fr-FR" dirty="0"/>
               <a:t>Deuxième niveau</a:t>
             </a:r>
           </a:p>
           <a:p>
             <a:pPr lvl="2"/>
             <a:r>
-              <a:rPr lang="fr-FR" dirty="0" smtClean="0"/>
+              <a:rPr lang="fr-FR" dirty="0"/>
               <a:t>Troisième niveau</a:t>
             </a:r>
           </a:p>
           <a:p>
             <a:pPr lvl="3"/>
             <a:r>
-              <a:rPr lang="fr-FR" dirty="0" smtClean="0"/>
+              <a:rPr lang="fr-FR" dirty="0"/>
               <a:t>Quatrième niveau</a:t>
             </a:r>
           </a:p>
           <a:p>
             <a:pPr lvl="4"/>
             <a:r>
-              <a:rPr lang="fr-FR" dirty="0" smtClean="0"/>
+              <a:rPr lang="fr-FR" dirty="0"/>
               <a:t>Cinquième niveau</a:t>
             </a:r>
             <a:endParaRPr lang="en-US" dirty="0"/>
@@ -3044,13 +2983,6 @@
   <p:clrMapOvr>
     <a:masterClrMapping/>
   </p:clrMapOvr>
-  <p:timing>
-    <p:tnLst>
-      <p:par>
-        <p:cTn id="1" dur="indefinite" restart="never" nodeType="tmRoot"/>
-      </p:par>
-    </p:tnLst>
-  </p:timing>
 </p:sldLayout>
 </file>
 
@@ -3091,7 +3023,7 @@
           </a:lstStyle>
           <a:p>
             <a:r>
-              <a:rPr lang="en-US" smtClean="0"/>
+              <a:rPr lang="en-US"/>
               <a:t>Click to edit Master title style</a:t>
             </a:r>
             <a:endParaRPr lang="en-US" dirty="0"/>
@@ -3163,15 +3095,15 @@
           <a:p>
             <a:pPr lvl="0"/>
             <a:r>
-              <a:rPr lang="fr-FR" dirty="0" smtClean="0"/>
+              <a:rPr lang="fr-FR" dirty="0"/>
               <a:t>Cliquez ET </a:t>
             </a:r>
             <a:r>
-              <a:rPr lang="fr-FR" dirty="0" err="1" smtClean="0"/>
+              <a:rPr lang="fr-FR" dirty="0" err="1"/>
               <a:t>modifieZ</a:t>
             </a:r>
             <a:r>
-              <a:rPr lang="fr-FR" dirty="0" smtClean="0"/>
+              <a:rPr lang="fr-FR" dirty="0"/>
               <a:t> LE TITRE</a:t>
             </a:r>
           </a:p>
@@ -3227,35 +3159,35 @@
           <a:p>
             <a:pPr lvl="0"/>
             <a:r>
-              <a:rPr lang="fr-FR" dirty="0" smtClean="0"/>
+              <a:rPr lang="fr-FR" dirty="0"/>
               <a:t>Cliquez et modifiez le contenu</a:t>
             </a:r>
           </a:p>
           <a:p>
             <a:pPr lvl="1"/>
             <a:r>
-              <a:rPr lang="fr-FR" dirty="0" smtClean="0"/>
+              <a:rPr lang="fr-FR" dirty="0"/>
               <a:t>Deuxième niveau</a:t>
             </a:r>
           </a:p>
           <a:p>
             <a:pPr lvl="2"/>
             <a:r>
-              <a:rPr lang="fr-FR" dirty="0" smtClean="0"/>
+              <a:rPr lang="fr-FR" dirty="0"/>
               <a:t>Troisième niveau</a:t>
             </a:r>
           </a:p>
           <a:p>
             <a:pPr lvl="3"/>
             <a:r>
-              <a:rPr lang="fr-FR" dirty="0" smtClean="0"/>
+              <a:rPr lang="fr-FR" dirty="0"/>
               <a:t>Quatrième niveau</a:t>
             </a:r>
           </a:p>
           <a:p>
             <a:pPr lvl="4"/>
             <a:r>
-              <a:rPr lang="fr-FR" dirty="0" smtClean="0"/>
+              <a:rPr lang="fr-FR" dirty="0"/>
               <a:t>Cinquième niveau</a:t>
             </a:r>
             <a:endParaRPr lang="en-US" dirty="0"/>
@@ -3327,15 +3259,15 @@
           <a:p>
             <a:pPr lvl="0"/>
             <a:r>
-              <a:rPr lang="fr-FR" dirty="0" smtClean="0"/>
+              <a:rPr lang="fr-FR" dirty="0"/>
               <a:t>Cliquez ET </a:t>
             </a:r>
             <a:r>
-              <a:rPr lang="fr-FR" dirty="0" err="1" smtClean="0"/>
+              <a:rPr lang="fr-FR" dirty="0" err="1"/>
               <a:t>modifieZ</a:t>
             </a:r>
             <a:r>
-              <a:rPr lang="fr-FR" dirty="0" smtClean="0"/>
+              <a:rPr lang="fr-FR" dirty="0"/>
               <a:t> LE TITRE</a:t>
             </a:r>
           </a:p>
@@ -3391,35 +3323,35 @@
           <a:p>
             <a:pPr lvl="0"/>
             <a:r>
-              <a:rPr lang="fr-FR" dirty="0" smtClean="0"/>
+              <a:rPr lang="fr-FR" dirty="0"/>
               <a:t>Cliquez et modifiez le contenu</a:t>
             </a:r>
           </a:p>
           <a:p>
             <a:pPr lvl="1"/>
             <a:r>
-              <a:rPr lang="fr-FR" dirty="0" smtClean="0"/>
+              <a:rPr lang="fr-FR" dirty="0"/>
               <a:t>Deuxième niveau</a:t>
             </a:r>
           </a:p>
           <a:p>
             <a:pPr lvl="2"/>
             <a:r>
-              <a:rPr lang="fr-FR" dirty="0" smtClean="0"/>
+              <a:rPr lang="fr-FR" dirty="0"/>
               <a:t>Troisième niveau</a:t>
             </a:r>
           </a:p>
           <a:p>
             <a:pPr lvl="3"/>
             <a:r>
-              <a:rPr lang="fr-FR" dirty="0" smtClean="0"/>
+              <a:rPr lang="fr-FR" dirty="0"/>
               <a:t>Quatrième niveau</a:t>
             </a:r>
           </a:p>
           <a:p>
             <a:pPr lvl="4"/>
             <a:r>
-              <a:rPr lang="fr-FR" dirty="0" smtClean="0"/>
+              <a:rPr lang="fr-FR" dirty="0"/>
               <a:t>Cinquième niveau</a:t>
             </a:r>
             <a:endParaRPr lang="en-US" dirty="0"/>
@@ -3443,7 +3375,7 @@
           <a:p>
             <a:fld id="{9FC060DB-6E52-EB46-96C1-740CFB82B988}" type="datetime6">
               <a:rPr lang="fr-FR" smtClean="0"/>
-              <a:t>février 20</a:t>
+              <a:t>septembre 21</a:t>
             </a:fld>
             <a:endParaRPr lang="en-US" dirty="0"/>
           </a:p>
@@ -3524,13 +3456,6 @@
   <p:clrMapOvr>
     <a:masterClrMapping/>
   </p:clrMapOvr>
-  <p:timing>
-    <p:tnLst>
-      <p:par>
-        <p:cTn id="1" dur="indefinite" restart="never" nodeType="tmRoot"/>
-      </p:par>
-    </p:tnLst>
-  </p:timing>
 </p:sldLayout>
 </file>
 
@@ -3567,7 +3492,7 @@
           <a:lstStyle/>
           <a:p>
             <a:r>
-              <a:rPr lang="en-US" smtClean="0"/>
+              <a:rPr lang="en-US"/>
               <a:t>Click to edit Master title style</a:t>
             </a:r>
             <a:endParaRPr lang="fr-FR" dirty="0"/>
@@ -3591,7 +3516,7 @@
           <a:p>
             <a:fld id="{DF677A4E-A05D-044B-B606-EB8FC4116036}" type="datetime6">
               <a:rPr lang="fr-FR" smtClean="0"/>
-              <a:t>février 20</a:t>
+              <a:t>septembre 21</a:t>
             </a:fld>
             <a:endParaRPr lang="en-US" dirty="0"/>
           </a:p>
@@ -3672,13 +3597,6 @@
   <p:clrMapOvr>
     <a:masterClrMapping/>
   </p:clrMapOvr>
-  <p:timing>
-    <p:tnLst>
-      <p:par>
-        <p:cTn id="1" dur="indefinite" restart="never" nodeType="tmRoot"/>
-      </p:par>
-    </p:tnLst>
-  </p:timing>
 </p:sldLayout>
 </file>
 
@@ -3709,13 +3627,6 @@
   <p:clrMapOvr>
     <a:masterClrMapping/>
   </p:clrMapOvr>
-  <p:timing>
-    <p:tnLst>
-      <p:par>
-        <p:cTn id="1" dur="indefinite" restart="never" nodeType="tmRoot"/>
-      </p:par>
-    </p:tnLst>
-  </p:timing>
 </p:sldLayout>
 </file>
 
@@ -3767,7 +3678,7 @@
           <a:lstStyle/>
           <a:p>
             <a:r>
-              <a:rPr lang="fr-FR" dirty="0" smtClean="0"/>
+              <a:rPr lang="fr-FR" dirty="0"/>
               <a:t>Cliquez et modifiez le titre</a:t>
             </a:r>
             <a:endParaRPr lang="en-US" dirty="0"/>
@@ -3801,35 +3712,35 @@
           <a:p>
             <a:pPr lvl="0"/>
             <a:r>
-              <a:rPr lang="fr-FR" dirty="0" smtClean="0"/>
+              <a:rPr lang="fr-FR" dirty="0"/>
               <a:t>Cliquez et modifiez le contenu</a:t>
             </a:r>
           </a:p>
           <a:p>
             <a:pPr lvl="1"/>
             <a:r>
-              <a:rPr lang="fr-FR" dirty="0" smtClean="0"/>
+              <a:rPr lang="fr-FR" dirty="0"/>
               <a:t>Deuxième niveau</a:t>
             </a:r>
           </a:p>
           <a:p>
             <a:pPr lvl="2"/>
             <a:r>
-              <a:rPr lang="fr-FR" dirty="0" smtClean="0"/>
+              <a:rPr lang="fr-FR" dirty="0"/>
               <a:t>Troisième niveau</a:t>
             </a:r>
           </a:p>
           <a:p>
             <a:pPr lvl="3"/>
             <a:r>
-              <a:rPr lang="fr-FR" dirty="0" smtClean="0"/>
+              <a:rPr lang="fr-FR" dirty="0"/>
               <a:t>Quatrième niveau</a:t>
             </a:r>
           </a:p>
           <a:p>
             <a:pPr lvl="4"/>
             <a:r>
-              <a:rPr lang="fr-FR" dirty="0" smtClean="0"/>
+              <a:rPr lang="fr-FR" dirty="0"/>
               <a:t>Cinquième niveau</a:t>
             </a:r>
             <a:endParaRPr lang="en-US" dirty="0"/>
@@ -3880,7 +3791,7 @@
             <a:fld id="{22DD8F49-BF83-0E4D-8954-2DA98C3220A2}" type="datetime6">
               <a:rPr lang="fr-FR" smtClean="0"/>
               <a:pPr/>
-              <a:t>février 20</a:t>
+              <a:t>septembre 21</a:t>
             </a:fld>
             <a:endParaRPr lang="en-US" dirty="0"/>
           </a:p>
@@ -3959,13 +3870,6 @@
     <p:sldLayoutId id="2147483677" r:id="rId12"/>
     <p:sldLayoutId id="2147483680" r:id="rId13"/>
   </p:sldLayoutIdLst>
-  <p:timing>
-    <p:tnLst>
-      <p:par>
-        <p:cTn id="1" dur="indefinite" restart="never" nodeType="tmRoot"/>
-      </p:par>
-    </p:tnLst>
-  </p:timing>
   <p:hf hdr="0" ftr="0"/>
   <p:txStyles>
     <p:titleStyle>
@@ -4253,722 +4157,282 @@
           <a:chExt cx="0" cy="0"/>
         </a:xfrm>
       </p:grpSpPr>
+      <p:sp>
+        <p:nvSpPr>
+          <p:cNvPr id="145" name="Rounded Rectangle 144"/>
+          <p:cNvSpPr/>
+          <p:nvPr/>
+        </p:nvSpPr>
+        <p:spPr>
+          <a:xfrm>
+            <a:off x="4276910" y="4619093"/>
+            <a:ext cx="2660871" cy="1212313"/>
+          </a:xfrm>
+          <a:prstGeom prst="roundRect">
+            <a:avLst>
+              <a:gd name="adj" fmla="val 15733"/>
+            </a:avLst>
+          </a:prstGeom>
+          <a:solidFill>
+            <a:schemeClr val="bg1"/>
+          </a:solidFill>
+          <a:ln w="12700">
+            <a:solidFill>
+              <a:schemeClr val="bg2"/>
+            </a:solidFill>
+          </a:ln>
+        </p:spPr>
+        <p:style>
+          <a:lnRef idx="2">
+            <a:schemeClr val="accent1">
+              <a:shade val="50000"/>
+            </a:schemeClr>
+          </a:lnRef>
+          <a:fillRef idx="1">
+            <a:schemeClr val="accent1"/>
+          </a:fillRef>
+          <a:effectRef idx="0">
+            <a:schemeClr val="accent1"/>
+          </a:effectRef>
+          <a:fontRef idx="minor">
+            <a:schemeClr val="lt1"/>
+          </a:fontRef>
+        </p:style>
+        <p:txBody>
+          <a:bodyPr rtlCol="0" anchor="ctr"/>
+          <a:lstStyle/>
+          <a:p>
+            <a:pPr algn="ctr"/>
+            <a:endParaRPr lang="en-US" dirty="0"/>
+          </a:p>
+        </p:txBody>
+      </p:sp>
+      <p:sp>
+        <p:nvSpPr>
+          <p:cNvPr id="116" name="Rounded Rectangle 115"/>
+          <p:cNvSpPr/>
+          <p:nvPr/>
+        </p:nvSpPr>
+        <p:spPr>
+          <a:xfrm>
+            <a:off x="2024703" y="2997131"/>
+            <a:ext cx="4916724" cy="1401029"/>
+          </a:xfrm>
+          <a:prstGeom prst="roundRect">
+            <a:avLst>
+              <a:gd name="adj" fmla="val 15733"/>
+            </a:avLst>
+          </a:prstGeom>
+          <a:solidFill>
+            <a:schemeClr val="bg1"/>
+          </a:solidFill>
+          <a:ln w="12700">
+            <a:solidFill>
+              <a:schemeClr val="bg2"/>
+            </a:solidFill>
+          </a:ln>
+        </p:spPr>
+        <p:style>
+          <a:lnRef idx="2">
+            <a:schemeClr val="accent1">
+              <a:shade val="50000"/>
+            </a:schemeClr>
+          </a:lnRef>
+          <a:fillRef idx="1">
+            <a:schemeClr val="accent1"/>
+          </a:fillRef>
+          <a:effectRef idx="0">
+            <a:schemeClr val="accent1"/>
+          </a:effectRef>
+          <a:fontRef idx="minor">
+            <a:schemeClr val="lt1"/>
+          </a:fontRef>
+        </p:style>
+        <p:txBody>
+          <a:bodyPr rtlCol="0" anchor="ctr"/>
+          <a:lstStyle/>
+          <a:p>
+            <a:pPr algn="ctr"/>
+            <a:endParaRPr lang="en-US" dirty="0"/>
+          </a:p>
+        </p:txBody>
+      </p:sp>
+      <p:sp>
+        <p:nvSpPr>
+          <p:cNvPr id="61" name="Rounded Rectangle 60"/>
+          <p:cNvSpPr/>
+          <p:nvPr/>
+        </p:nvSpPr>
+        <p:spPr>
+          <a:xfrm>
+            <a:off x="479375" y="764729"/>
+            <a:ext cx="11139925" cy="1872183"/>
+          </a:xfrm>
+          <a:prstGeom prst="roundRect">
+            <a:avLst>
+              <a:gd name="adj" fmla="val 15733"/>
+            </a:avLst>
+          </a:prstGeom>
+          <a:solidFill>
+            <a:schemeClr val="bg1">
+              <a:lumMod val="95000"/>
+            </a:schemeClr>
+          </a:solidFill>
+          <a:ln w="12700">
+            <a:solidFill>
+              <a:schemeClr val="bg2"/>
+            </a:solidFill>
+          </a:ln>
+        </p:spPr>
+        <p:style>
+          <a:lnRef idx="2">
+            <a:schemeClr val="accent1">
+              <a:shade val="50000"/>
+            </a:schemeClr>
+          </a:lnRef>
+          <a:fillRef idx="1">
+            <a:schemeClr val="accent1"/>
+          </a:fillRef>
+          <a:effectRef idx="0">
+            <a:schemeClr val="accent1"/>
+          </a:effectRef>
+          <a:fontRef idx="minor">
+            <a:schemeClr val="lt1"/>
+          </a:fontRef>
+        </p:style>
+        <p:txBody>
+          <a:bodyPr rtlCol="0" anchor="ctr"/>
+          <a:lstStyle/>
+          <a:p>
+            <a:pPr algn="ctr"/>
+            <a:endParaRPr lang="en-US" dirty="0"/>
+          </a:p>
+        </p:txBody>
+      </p:sp>
+      <p:sp>
+        <p:nvSpPr>
+          <p:cNvPr id="77" name="Rounded Rectangle 62">
+            <a:extLst>
+              <a:ext uri="{FF2B5EF4-FFF2-40B4-BE49-F238E27FC236}">
+                <a16:creationId xmlns:a16="http://schemas.microsoft.com/office/drawing/2014/main" id="{FFBC32F8-7FE7-4F44-AAED-4DC038ED8849}"/>
+              </a:ext>
+            </a:extLst>
+          </p:cNvPr>
+          <p:cNvSpPr/>
+          <p:nvPr/>
+        </p:nvSpPr>
+        <p:spPr>
+          <a:xfrm>
+            <a:off x="1167944" y="961109"/>
+            <a:ext cx="3346258" cy="1233206"/>
+          </a:xfrm>
+          <a:prstGeom prst="roundRect">
+            <a:avLst>
+              <a:gd name="adj" fmla="val 10148"/>
+            </a:avLst>
+          </a:prstGeom>
+          <a:solidFill>
+            <a:schemeClr val="bg1">
+              <a:lumMod val="85000"/>
+            </a:schemeClr>
+          </a:solidFill>
+          <a:ln w="19050">
+            <a:noFill/>
+          </a:ln>
+        </p:spPr>
+        <p:style>
+          <a:lnRef idx="2">
+            <a:schemeClr val="accent1">
+              <a:shade val="50000"/>
+            </a:schemeClr>
+          </a:lnRef>
+          <a:fillRef idx="1">
+            <a:schemeClr val="accent1"/>
+          </a:fillRef>
+          <a:effectRef idx="0">
+            <a:schemeClr val="accent1"/>
+          </a:effectRef>
+          <a:fontRef idx="minor">
+            <a:schemeClr val="lt1"/>
+          </a:fontRef>
+        </p:style>
+        <p:txBody>
+          <a:bodyPr wrap="square" lIns="0" tIns="0" rIns="0" bIns="0" rtlCol="0" anchor="ctr"/>
+          <a:lstStyle/>
+          <a:p>
+            <a:pPr algn="ctr"/>
+            <a:endParaRPr lang="en-US" sz="1400" dirty="0">
+              <a:solidFill>
+                <a:schemeClr val="bg1">
+                  <a:lumMod val="95000"/>
+                </a:schemeClr>
+              </a:solidFill>
+            </a:endParaRPr>
+          </a:p>
+        </p:txBody>
+      </p:sp>
+      <p:sp>
+        <p:nvSpPr>
+          <p:cNvPr id="78" name="TextBox 77"/>
+          <p:cNvSpPr txBox="1"/>
+          <p:nvPr/>
+        </p:nvSpPr>
+        <p:spPr>
+          <a:xfrm>
+            <a:off x="2207568" y="2194314"/>
+            <a:ext cx="1986755" cy="307777"/>
+          </a:xfrm>
+          <a:prstGeom prst="rect">
+            <a:avLst/>
+          </a:prstGeom>
+          <a:noFill/>
+        </p:spPr>
+        <p:txBody>
+          <a:bodyPr wrap="square" rtlCol="0">
+            <a:spAutoFit/>
+          </a:bodyPr>
+          <a:lstStyle/>
+          <a:p>
+            <a:r>
+              <a:rPr lang="en-US" sz="1400">
+                <a:latin typeface="Source Sans Pro" charset="0"/>
+                <a:ea typeface="Source Sans Pro" charset="0"/>
+                <a:cs typeface="Source Sans Pro" charset="0"/>
+              </a:rPr>
+              <a:t>Firmware Development</a:t>
+            </a:r>
+            <a:endParaRPr lang="en-US" sz="1400" dirty="0">
+              <a:latin typeface="Source Sans Pro" charset="0"/>
+              <a:ea typeface="Source Sans Pro" charset="0"/>
+              <a:cs typeface="Source Sans Pro" charset="0"/>
+            </a:endParaRPr>
+          </a:p>
+        </p:txBody>
+      </p:sp>
       <p:grpSp>
         <p:nvGrpSpPr>
-          <p:cNvPr id="41" name="Group 40"/>
+          <p:cNvPr id="34" name="Group 33"/>
           <p:cNvGrpSpPr/>
           <p:nvPr/>
         </p:nvGrpSpPr>
         <p:grpSpPr>
           <a:xfrm>
-            <a:off x="479376" y="764729"/>
-            <a:ext cx="11139929" cy="5584003"/>
-            <a:chOff x="479376" y="764729"/>
-            <a:chExt cx="11139929" cy="5584003"/>
+            <a:off x="2110803" y="1091258"/>
+            <a:ext cx="985498" cy="985496"/>
+            <a:chOff x="2234291" y="806998"/>
+            <a:chExt cx="985498" cy="985496"/>
           </a:xfrm>
         </p:grpSpPr>
         <p:sp>
           <p:nvSpPr>
-            <p:cNvPr id="145" name="Rounded Rectangle 144"/>
+            <p:cNvPr id="80" name="Folded Corner 79"/>
             <p:cNvSpPr/>
             <p:nvPr/>
           </p:nvSpPr>
           <p:spPr>
             <a:xfrm>
-              <a:off x="4276910" y="4619093"/>
-              <a:ext cx="2660871" cy="1212313"/>
-            </a:xfrm>
-            <a:prstGeom prst="roundRect">
-              <a:avLst>
-                <a:gd name="adj" fmla="val 15733"/>
-              </a:avLst>
-            </a:prstGeom>
-            <a:solidFill>
-              <a:schemeClr val="bg1"/>
-            </a:solidFill>
-            <a:ln w="12700">
-              <a:solidFill>
-                <a:schemeClr val="bg2"/>
-              </a:solidFill>
-            </a:ln>
-          </p:spPr>
-          <p:style>
-            <a:lnRef idx="2">
-              <a:schemeClr val="accent1">
-                <a:shade val="50000"/>
-              </a:schemeClr>
-            </a:lnRef>
-            <a:fillRef idx="1">
-              <a:schemeClr val="accent1"/>
-            </a:fillRef>
-            <a:effectRef idx="0">
-              <a:schemeClr val="accent1"/>
-            </a:effectRef>
-            <a:fontRef idx="minor">
-              <a:schemeClr val="lt1"/>
-            </a:fontRef>
-          </p:style>
-          <p:txBody>
-            <a:bodyPr rtlCol="0" anchor="ctr"/>
-            <a:lstStyle/>
-            <a:p>
-              <a:pPr algn="ctr"/>
-              <a:endParaRPr lang="en-US" dirty="0"/>
-            </a:p>
-          </p:txBody>
-        </p:sp>
-        <p:sp>
-          <p:nvSpPr>
-            <p:cNvPr id="116" name="Rounded Rectangle 115"/>
-            <p:cNvSpPr/>
-            <p:nvPr/>
-          </p:nvSpPr>
-          <p:spPr>
-            <a:xfrm>
-              <a:off x="2024703" y="2997131"/>
-              <a:ext cx="4916724" cy="1401029"/>
-            </a:xfrm>
-            <a:prstGeom prst="roundRect">
-              <a:avLst>
-                <a:gd name="adj" fmla="val 15733"/>
-              </a:avLst>
-            </a:prstGeom>
-            <a:solidFill>
-              <a:schemeClr val="bg1"/>
-            </a:solidFill>
-            <a:ln w="12700">
-              <a:solidFill>
-                <a:schemeClr val="bg2"/>
-              </a:solidFill>
-            </a:ln>
-          </p:spPr>
-          <p:style>
-            <a:lnRef idx="2">
-              <a:schemeClr val="accent1">
-                <a:shade val="50000"/>
-              </a:schemeClr>
-            </a:lnRef>
-            <a:fillRef idx="1">
-              <a:schemeClr val="accent1"/>
-            </a:fillRef>
-            <a:effectRef idx="0">
-              <a:schemeClr val="accent1"/>
-            </a:effectRef>
-            <a:fontRef idx="minor">
-              <a:schemeClr val="lt1"/>
-            </a:fontRef>
-          </p:style>
-          <p:txBody>
-            <a:bodyPr rtlCol="0" anchor="ctr"/>
-            <a:lstStyle/>
-            <a:p>
-              <a:pPr algn="ctr"/>
-              <a:endParaRPr lang="en-US" dirty="0"/>
-            </a:p>
-          </p:txBody>
-        </p:sp>
-        <p:sp>
-          <p:nvSpPr>
-            <p:cNvPr id="49" name="Rounded Rectangle 48"/>
-            <p:cNvSpPr/>
-            <p:nvPr/>
-          </p:nvSpPr>
-          <p:spPr>
-            <a:xfrm>
-              <a:off x="6240016" y="764729"/>
-              <a:ext cx="5328592" cy="1872183"/>
-            </a:xfrm>
-            <a:prstGeom prst="roundRect">
-              <a:avLst>
-                <a:gd name="adj" fmla="val 15733"/>
-              </a:avLst>
-            </a:prstGeom>
-            <a:solidFill>
-              <a:schemeClr val="bg1"/>
-            </a:solidFill>
-            <a:ln w="12700">
-              <a:solidFill>
-                <a:schemeClr val="bg2"/>
-              </a:solidFill>
-            </a:ln>
-          </p:spPr>
-          <p:style>
-            <a:lnRef idx="2">
-              <a:schemeClr val="accent1">
-                <a:shade val="50000"/>
-              </a:schemeClr>
-            </a:lnRef>
-            <a:fillRef idx="1">
-              <a:schemeClr val="accent1"/>
-            </a:fillRef>
-            <a:effectRef idx="0">
-              <a:schemeClr val="accent1"/>
-            </a:effectRef>
-            <a:fontRef idx="minor">
-              <a:schemeClr val="lt1"/>
-            </a:fontRef>
-          </p:style>
-          <p:txBody>
-            <a:bodyPr rtlCol="0" anchor="ctr"/>
-            <a:lstStyle/>
-            <a:p>
-              <a:pPr algn="ctr"/>
-              <a:r>
-                <a:rPr lang="en-US"/>
-                <a:t>vz</a:t>
-              </a:r>
-              <a:endParaRPr lang="en-US" dirty="0"/>
-            </a:p>
-          </p:txBody>
-        </p:sp>
-        <p:sp>
-          <p:nvSpPr>
-            <p:cNvPr id="61" name="Rounded Rectangle 60"/>
-            <p:cNvSpPr/>
-            <p:nvPr/>
-          </p:nvSpPr>
-          <p:spPr>
-            <a:xfrm>
-              <a:off x="479376" y="764729"/>
-              <a:ext cx="5369732" cy="1872183"/>
-            </a:xfrm>
-            <a:prstGeom prst="roundRect">
-              <a:avLst>
-                <a:gd name="adj" fmla="val 15733"/>
-              </a:avLst>
-            </a:prstGeom>
-            <a:solidFill>
-              <a:schemeClr val="bg1"/>
-            </a:solidFill>
-            <a:ln w="12700">
-              <a:solidFill>
-                <a:schemeClr val="bg2"/>
-              </a:solidFill>
-            </a:ln>
-          </p:spPr>
-          <p:style>
-            <a:lnRef idx="2">
-              <a:schemeClr val="accent1">
-                <a:shade val="50000"/>
-              </a:schemeClr>
-            </a:lnRef>
-            <a:fillRef idx="1">
-              <a:schemeClr val="accent1"/>
-            </a:fillRef>
-            <a:effectRef idx="0">
-              <a:schemeClr val="accent1"/>
-            </a:effectRef>
-            <a:fontRef idx="minor">
-              <a:schemeClr val="lt1"/>
-            </a:fontRef>
-          </p:style>
-          <p:txBody>
-            <a:bodyPr rtlCol="0" anchor="ctr"/>
-            <a:lstStyle/>
-            <a:p>
-              <a:pPr algn="ctr"/>
-              <a:r>
-                <a:rPr lang="en-US"/>
-                <a:t>vz</a:t>
-              </a:r>
-              <a:endParaRPr lang="en-US" dirty="0"/>
-            </a:p>
-          </p:txBody>
-        </p:sp>
-        <p:sp>
-          <p:nvSpPr>
-            <p:cNvPr id="71" name="TextBox 70"/>
-            <p:cNvSpPr txBox="1"/>
-            <p:nvPr/>
-          </p:nvSpPr>
-          <p:spPr>
-            <a:xfrm>
-              <a:off x="8867280" y="2202915"/>
-              <a:ext cx="2238113" cy="307777"/>
-            </a:xfrm>
-            <a:prstGeom prst="rect">
-              <a:avLst/>
-            </a:prstGeom>
-            <a:noFill/>
-          </p:spPr>
-          <p:txBody>
-            <a:bodyPr wrap="none" rtlCol="0">
-              <a:spAutoFit/>
-            </a:bodyPr>
-            <a:lstStyle/>
-            <a:p>
-              <a:r>
-                <a:rPr lang="en-US" sz="1400" dirty="0" smtClean="0">
-                  <a:latin typeface="Source Sans Pro" charset="0"/>
-                  <a:ea typeface="Source Sans Pro" charset="0"/>
-                  <a:cs typeface="Source Sans Pro" charset="0"/>
-                </a:rPr>
-                <a:t>Application Developer Host</a:t>
-              </a:r>
-              <a:endParaRPr lang="en-US" sz="1400" dirty="0">
-                <a:latin typeface="Source Sans Pro" charset="0"/>
-                <a:ea typeface="Source Sans Pro" charset="0"/>
-                <a:cs typeface="Source Sans Pro" charset="0"/>
-              </a:endParaRPr>
-            </a:p>
-          </p:txBody>
-        </p:sp>
-        <p:sp>
-          <p:nvSpPr>
-            <p:cNvPr id="77" name="Rounded Rectangle 62">
-              <a:extLst>
-                <a:ext uri="{FF2B5EF4-FFF2-40B4-BE49-F238E27FC236}">
-                  <a16:creationId xmlns:a16="http://schemas.microsoft.com/office/drawing/2014/main" xmlns="" id="{FFBC32F8-7FE7-4F44-AAED-4DC038ED8849}"/>
-                </a:ext>
-              </a:extLst>
-            </p:cNvPr>
-            <p:cNvSpPr/>
-            <p:nvPr/>
-          </p:nvSpPr>
-          <p:spPr>
-            <a:xfrm>
-              <a:off x="2254335" y="961109"/>
-              <a:ext cx="3268406" cy="1233206"/>
-            </a:xfrm>
-            <a:prstGeom prst="roundRect">
-              <a:avLst>
-                <a:gd name="adj" fmla="val 10148"/>
-              </a:avLst>
-            </a:prstGeom>
-            <a:solidFill>
-              <a:schemeClr val="bg1">
-                <a:lumMod val="95000"/>
-              </a:schemeClr>
-            </a:solidFill>
-            <a:ln w="19050">
-              <a:noFill/>
-            </a:ln>
-          </p:spPr>
-          <p:style>
-            <a:lnRef idx="2">
-              <a:schemeClr val="accent1">
-                <a:shade val="50000"/>
-              </a:schemeClr>
-            </a:lnRef>
-            <a:fillRef idx="1">
-              <a:schemeClr val="accent1"/>
-            </a:fillRef>
-            <a:effectRef idx="0">
-              <a:schemeClr val="accent1"/>
-            </a:effectRef>
-            <a:fontRef idx="minor">
-              <a:schemeClr val="lt1"/>
-            </a:fontRef>
-          </p:style>
-          <p:txBody>
-            <a:bodyPr wrap="square" lIns="0" tIns="0" rIns="0" bIns="0" rtlCol="0" anchor="ctr"/>
-            <a:lstStyle/>
-            <a:p>
-              <a:pPr algn="ctr"/>
-              <a:endParaRPr lang="en-US" sz="1400" dirty="0">
-                <a:solidFill>
-                  <a:schemeClr val="bg1">
-                    <a:lumMod val="95000"/>
-                  </a:schemeClr>
-                </a:solidFill>
-              </a:endParaRPr>
-            </a:p>
-          </p:txBody>
-        </p:sp>
-        <p:sp>
-          <p:nvSpPr>
-            <p:cNvPr id="78" name="TextBox 77"/>
-            <p:cNvSpPr txBox="1"/>
-            <p:nvPr/>
-          </p:nvSpPr>
-          <p:spPr>
-            <a:xfrm>
-              <a:off x="3109782" y="2194314"/>
-              <a:ext cx="2652977" cy="307777"/>
-            </a:xfrm>
-            <a:prstGeom prst="rect">
-              <a:avLst/>
-            </a:prstGeom>
-            <a:noFill/>
-          </p:spPr>
-          <p:txBody>
-            <a:bodyPr wrap="square" rtlCol="0">
-              <a:spAutoFit/>
-            </a:bodyPr>
-            <a:lstStyle/>
-            <a:p>
-              <a:r>
-                <a:rPr lang="en-US" sz="1400" dirty="0" smtClean="0">
-                  <a:latin typeface="Source Sans Pro" charset="0"/>
-                  <a:ea typeface="Source Sans Pro" charset="0"/>
-                  <a:cs typeface="Source Sans Pro" charset="0"/>
-                </a:rPr>
-                <a:t>Firmware Developer Host</a:t>
-              </a:r>
-              <a:endParaRPr lang="en-US" sz="1400" dirty="0">
-                <a:latin typeface="Source Sans Pro" charset="0"/>
-                <a:ea typeface="Source Sans Pro" charset="0"/>
-                <a:cs typeface="Source Sans Pro" charset="0"/>
-              </a:endParaRPr>
-            </a:p>
-          </p:txBody>
-        </p:sp>
-        <p:grpSp>
-          <p:nvGrpSpPr>
-            <p:cNvPr id="34" name="Group 33"/>
-            <p:cNvGrpSpPr/>
-            <p:nvPr/>
-          </p:nvGrpSpPr>
-          <p:grpSpPr>
-            <a:xfrm>
-              <a:off x="3197194" y="1091258"/>
-              <a:ext cx="985498" cy="985496"/>
-              <a:chOff x="2234291" y="806998"/>
-              <a:chExt cx="985498" cy="985496"/>
-            </a:xfrm>
-          </p:grpSpPr>
-          <p:sp>
-            <p:nvSpPr>
-              <p:cNvPr id="80" name="Folded Corner 79"/>
-              <p:cNvSpPr/>
-              <p:nvPr/>
-            </p:nvSpPr>
-            <p:spPr>
-              <a:xfrm>
-                <a:off x="2234292" y="806998"/>
-                <a:ext cx="985496" cy="985496"/>
-              </a:xfrm>
-              <a:prstGeom prst="foldedCorner">
-                <a:avLst/>
-              </a:prstGeom>
-              <a:solidFill>
-                <a:schemeClr val="bg1"/>
-              </a:solidFill>
-              <a:ln>
-                <a:solidFill>
-                  <a:schemeClr val="tx1"/>
-                </a:solidFill>
-              </a:ln>
-            </p:spPr>
-            <p:style>
-              <a:lnRef idx="2">
-                <a:schemeClr val="accent5">
-                  <a:shade val="50000"/>
-                </a:schemeClr>
-              </a:lnRef>
-              <a:fillRef idx="1">
-                <a:schemeClr val="accent5"/>
-              </a:fillRef>
-              <a:effectRef idx="0">
-                <a:schemeClr val="accent5"/>
-              </a:effectRef>
-              <a:fontRef idx="minor">
-                <a:schemeClr val="lt1"/>
-              </a:fontRef>
-            </p:style>
-            <p:txBody>
-              <a:bodyPr rtlCol="0" anchor="ctr"/>
-              <a:lstStyle/>
-              <a:p>
-                <a:pPr algn="ctr"/>
-                <a:endParaRPr lang="en-US"/>
-              </a:p>
-            </p:txBody>
-          </p:sp>
-          <p:sp>
-            <p:nvSpPr>
-              <p:cNvPr id="83" name="TextBox 82"/>
-              <p:cNvSpPr txBox="1"/>
-              <p:nvPr/>
-            </p:nvSpPr>
-            <p:spPr>
-              <a:xfrm>
-                <a:off x="2234291" y="1130469"/>
-                <a:ext cx="985498" cy="338554"/>
-              </a:xfrm>
-              <a:prstGeom prst="rect">
-                <a:avLst/>
-              </a:prstGeom>
-              <a:noFill/>
-            </p:spPr>
-            <p:txBody>
-              <a:bodyPr wrap="square" rtlCol="0">
-                <a:spAutoFit/>
-              </a:bodyPr>
-              <a:lstStyle/>
-              <a:p>
-                <a:pPr algn="ctr"/>
-                <a:r>
-                  <a:rPr lang="en-US" sz="1600" dirty="0" smtClean="0">
-                    <a:latin typeface="Source Sans Pro" charset="0"/>
-                    <a:ea typeface="Source Sans Pro" charset="0"/>
-                    <a:cs typeface="Source Sans Pro" charset="0"/>
-                  </a:rPr>
-                  <a:t>Platform</a:t>
-                </a:r>
-                <a:endParaRPr lang="en-US" sz="1600" dirty="0">
-                  <a:latin typeface="Source Sans Pro" charset="0"/>
-                  <a:ea typeface="Source Sans Pro" charset="0"/>
-                  <a:cs typeface="Source Sans Pro" charset="0"/>
-                </a:endParaRPr>
-              </a:p>
-            </p:txBody>
-          </p:sp>
-        </p:grpSp>
-        <p:grpSp>
-          <p:nvGrpSpPr>
-            <p:cNvPr id="35" name="Group 34"/>
-            <p:cNvGrpSpPr/>
-            <p:nvPr/>
-          </p:nvGrpSpPr>
-          <p:grpSpPr>
-            <a:xfrm>
-              <a:off x="4364733" y="1091258"/>
-              <a:ext cx="1017400" cy="985496"/>
-              <a:chOff x="3401830" y="806998"/>
-              <a:chExt cx="1017400" cy="985496"/>
-            </a:xfrm>
-          </p:grpSpPr>
-          <p:sp>
-            <p:nvSpPr>
-              <p:cNvPr id="84" name="Folded Corner 83"/>
-              <p:cNvSpPr/>
-              <p:nvPr/>
-            </p:nvSpPr>
-            <p:spPr>
-              <a:xfrm>
-                <a:off x="3405545" y="806998"/>
-                <a:ext cx="985496" cy="985496"/>
-              </a:xfrm>
-              <a:prstGeom prst="foldedCorner">
-                <a:avLst/>
-              </a:prstGeom>
-              <a:solidFill>
-                <a:schemeClr val="bg1"/>
-              </a:solidFill>
-              <a:ln>
-                <a:solidFill>
-                  <a:schemeClr val="tx1"/>
-                </a:solidFill>
-              </a:ln>
-            </p:spPr>
-            <p:style>
-              <a:lnRef idx="2">
-                <a:schemeClr val="accent5">
-                  <a:shade val="50000"/>
-                </a:schemeClr>
-              </a:lnRef>
-              <a:fillRef idx="1">
-                <a:schemeClr val="accent5"/>
-              </a:fillRef>
-              <a:effectRef idx="0">
-                <a:schemeClr val="accent5"/>
-              </a:effectRef>
-              <a:fontRef idx="minor">
-                <a:schemeClr val="lt1"/>
-              </a:fontRef>
-            </p:style>
-            <p:txBody>
-              <a:bodyPr rtlCol="0" anchor="ctr"/>
-              <a:lstStyle/>
-              <a:p>
-                <a:pPr algn="ctr"/>
-                <a:endParaRPr lang="en-US"/>
-              </a:p>
-            </p:txBody>
-          </p:sp>
-          <p:sp>
-            <p:nvSpPr>
-              <p:cNvPr id="85" name="TextBox 84"/>
-              <p:cNvSpPr txBox="1"/>
-              <p:nvPr/>
-            </p:nvSpPr>
-            <p:spPr>
-              <a:xfrm>
-                <a:off x="3401830" y="1013429"/>
-                <a:ext cx="1017400" cy="584775"/>
-              </a:xfrm>
-              <a:prstGeom prst="rect">
-                <a:avLst/>
-              </a:prstGeom>
-              <a:noFill/>
-            </p:spPr>
-            <p:txBody>
-              <a:bodyPr wrap="square" rtlCol="0">
-                <a:spAutoFit/>
-              </a:bodyPr>
-              <a:lstStyle/>
-              <a:p>
-                <a:pPr algn="ctr"/>
-                <a:r>
-                  <a:rPr lang="en-US" sz="1600" dirty="0">
-                    <a:latin typeface="Source Sans Pro" charset="0"/>
-                    <a:ea typeface="Source Sans Pro" charset="0"/>
-                    <a:cs typeface="Source Sans Pro" charset="0"/>
-                  </a:rPr>
-                  <a:t>Firmware</a:t>
-                </a:r>
-              </a:p>
-              <a:p>
-                <a:pPr algn="ctr"/>
-                <a:r>
-                  <a:rPr lang="en-US" sz="1600" dirty="0">
-                    <a:latin typeface="Source Sans Pro" charset="0"/>
-                    <a:ea typeface="Source Sans Pro" charset="0"/>
-                    <a:cs typeface="Source Sans Pro" charset="0"/>
-                  </a:rPr>
-                  <a:t>Sources</a:t>
-                </a:r>
-              </a:p>
-            </p:txBody>
-          </p:sp>
-        </p:grpSp>
-        <p:sp>
-          <p:nvSpPr>
-            <p:cNvPr id="89" name="Rounded Rectangle 62">
-              <a:extLst>
-                <a:ext uri="{FF2B5EF4-FFF2-40B4-BE49-F238E27FC236}">
-                  <a16:creationId xmlns:a16="http://schemas.microsoft.com/office/drawing/2014/main" xmlns="" id="{FFBC32F8-7FE7-4F44-AAED-4DC038ED8849}"/>
-                </a:ext>
-              </a:extLst>
-            </p:cNvPr>
-            <p:cNvSpPr/>
-            <p:nvPr/>
-          </p:nvSpPr>
-          <p:spPr>
-            <a:xfrm>
-              <a:off x="8112224" y="942457"/>
-              <a:ext cx="3231679" cy="1233205"/>
-            </a:xfrm>
-            <a:prstGeom prst="roundRect">
-              <a:avLst>
-                <a:gd name="adj" fmla="val 5059"/>
-              </a:avLst>
-            </a:prstGeom>
-            <a:solidFill>
-              <a:schemeClr val="bg1">
-                <a:lumMod val="95000"/>
-              </a:schemeClr>
-            </a:solidFill>
-            <a:ln w="19050">
-              <a:noFill/>
-            </a:ln>
-          </p:spPr>
-          <p:style>
-            <a:lnRef idx="2">
-              <a:schemeClr val="accent1">
-                <a:shade val="50000"/>
-              </a:schemeClr>
-            </a:lnRef>
-            <a:fillRef idx="1">
-              <a:schemeClr val="accent1"/>
-            </a:fillRef>
-            <a:effectRef idx="0">
-              <a:schemeClr val="accent1"/>
-            </a:effectRef>
-            <a:fontRef idx="minor">
-              <a:schemeClr val="lt1"/>
-            </a:fontRef>
-          </p:style>
-          <p:txBody>
-            <a:bodyPr wrap="square" lIns="0" tIns="0" rIns="0" bIns="0" rtlCol="0" anchor="ctr"/>
-            <a:lstStyle/>
-            <a:p>
-              <a:pPr algn="ctr"/>
-              <a:endParaRPr lang="en-US" sz="1400" dirty="0">
-                <a:solidFill>
-                  <a:schemeClr val="bg1">
-                    <a:lumMod val="95000"/>
-                  </a:schemeClr>
-                </a:solidFill>
-              </a:endParaRPr>
-            </a:p>
-          </p:txBody>
-        </p:sp>
-        <p:grpSp>
-          <p:nvGrpSpPr>
-            <p:cNvPr id="92" name="Group 91"/>
-            <p:cNvGrpSpPr/>
-            <p:nvPr/>
-          </p:nvGrpSpPr>
-          <p:grpSpPr>
-            <a:xfrm>
-              <a:off x="7426549" y="858677"/>
-              <a:ext cx="1319401" cy="1751908"/>
-              <a:chOff x="8498011" y="1260355"/>
-              <a:chExt cx="1673582" cy="2222193"/>
-            </a:xfrm>
-          </p:grpSpPr>
-          <p:pic>
-            <p:nvPicPr>
-              <p:cNvPr id="96" name="Picture 95"/>
-              <p:cNvPicPr>
-                <a:picLocks noChangeAspect="1"/>
-              </p:cNvPicPr>
-              <p:nvPr/>
-            </p:nvPicPr>
-            <p:blipFill rotWithShape="1">
-              <a:blip r:embed="rId2" cstate="print">
-                <a:extLst>
-                  <a:ext uri="{28A0092B-C50C-407E-A947-70E740481C1C}">
-                    <a14:useLocalDpi xmlns:a14="http://schemas.microsoft.com/office/drawing/2010/main" val="0"/>
-                  </a:ext>
-                </a:extLst>
-              </a:blip>
-              <a:srcRect l="18934" r="18934"/>
-              <a:stretch/>
-            </p:blipFill>
-            <p:spPr>
-              <a:xfrm>
-                <a:off x="8498011" y="1260355"/>
-                <a:ext cx="1673582" cy="2222193"/>
-              </a:xfrm>
-              <a:prstGeom prst="rect">
-                <a:avLst/>
-              </a:prstGeom>
-            </p:spPr>
-          </p:pic>
-          <p:pic>
-            <p:nvPicPr>
-              <p:cNvPr id="97" name="Picture 96"/>
-              <p:cNvPicPr>
-                <a:picLocks noChangeAspect="1"/>
-              </p:cNvPicPr>
-              <p:nvPr/>
-            </p:nvPicPr>
-            <p:blipFill>
-              <a:blip r:embed="rId3" cstate="print">
-                <a:extLst>
-                  <a:ext uri="{28A0092B-C50C-407E-A947-70E740481C1C}">
-                    <a14:useLocalDpi xmlns:a14="http://schemas.microsoft.com/office/drawing/2010/main" val="0"/>
-                  </a:ext>
-                </a:extLst>
-              </a:blip>
-              <a:stretch>
-                <a:fillRect/>
-              </a:stretch>
-            </p:blipFill>
-            <p:spPr>
-              <a:xfrm rot="14400000">
-                <a:off x="8997932" y="1799769"/>
-                <a:ext cx="1201542" cy="654841"/>
-              </a:xfrm>
-              <a:prstGeom prst="rect">
-                <a:avLst/>
-              </a:prstGeom>
-            </p:spPr>
-          </p:pic>
-        </p:grpSp>
-        <p:sp>
-          <p:nvSpPr>
-            <p:cNvPr id="100" name="Folded Corner 99"/>
-            <p:cNvSpPr/>
-            <p:nvPr/>
-          </p:nvSpPr>
-          <p:spPr>
-            <a:xfrm>
-              <a:off x="2234292" y="3189259"/>
-              <a:ext cx="986733" cy="986733"/>
+              <a:off x="2234292" y="806998"/>
+              <a:ext cx="985496" cy="985496"/>
             </a:xfrm>
             <a:prstGeom prst="foldedCorner">
               <a:avLst/>
@@ -5009,14 +4473,14 @@
         </p:sp>
         <p:sp>
           <p:nvSpPr>
-            <p:cNvPr id="101" name="TextBox 100"/>
+            <p:cNvPr id="83" name="TextBox 82"/>
             <p:cNvSpPr txBox="1"/>
             <p:nvPr/>
           </p:nvSpPr>
           <p:spPr>
             <a:xfrm>
-              <a:off x="2294491" y="3399445"/>
-              <a:ext cx="858574" cy="584775"/>
+              <a:off x="2234291" y="1130469"/>
+              <a:ext cx="985498" cy="338554"/>
             </a:xfrm>
             <a:prstGeom prst="rect">
               <a:avLst/>
@@ -5036,166 +4500,36 @@
                   <a:ea typeface="Source Sans Pro" charset="0"/>
                   <a:cs typeface="Source Sans Pro" charset="0"/>
                 </a:rPr>
-                <a:t>Virtual </a:t>
-              </a:r>
-            </a:p>
-            <a:p>
-              <a:pPr algn="ctr"/>
-              <a:r>
-                <a:rPr lang="en-US" sz="1600" dirty="0">
-                  <a:latin typeface="Source Sans Pro" charset="0"/>
-                  <a:ea typeface="Source Sans Pro" charset="0"/>
-                  <a:cs typeface="Source Sans Pro" charset="0"/>
-                </a:rPr>
-                <a:t>Device</a:t>
+                <a:t>Platform</a:t>
               </a:r>
             </a:p>
           </p:txBody>
         </p:sp>
-        <p:grpSp>
-          <p:nvGrpSpPr>
-            <p:cNvPr id="104" name="Group 103"/>
-            <p:cNvGrpSpPr/>
-            <p:nvPr/>
-          </p:nvGrpSpPr>
-          <p:grpSpPr>
-            <a:xfrm>
-              <a:off x="10166971" y="4365754"/>
-              <a:ext cx="1384152" cy="1564012"/>
-              <a:chOff x="5210615" y="2573963"/>
-              <a:chExt cx="1837905" cy="2076731"/>
-            </a:xfrm>
-          </p:grpSpPr>
-          <p:pic>
-            <p:nvPicPr>
-              <p:cNvPr id="105" name="Picture 104"/>
-              <p:cNvPicPr>
-                <a:picLocks noChangeAspect="1"/>
-              </p:cNvPicPr>
-              <p:nvPr/>
-            </p:nvPicPr>
-            <p:blipFill>
-              <a:blip r:embed="rId4" cstate="print">
-                <a:extLst>
-                  <a:ext uri="{28A0092B-C50C-407E-A947-70E740481C1C}">
-                    <a14:useLocalDpi xmlns:a14="http://schemas.microsoft.com/office/drawing/2010/main" val="0"/>
-                  </a:ext>
-                </a:extLst>
-              </a:blip>
-              <a:stretch>
-                <a:fillRect/>
-              </a:stretch>
-            </p:blipFill>
-            <p:spPr>
-              <a:xfrm rot="5400000">
-                <a:off x="5091202" y="2693376"/>
-                <a:ext cx="2076731" cy="1837905"/>
-              </a:xfrm>
-              <a:prstGeom prst="rect">
-                <a:avLst/>
-              </a:prstGeom>
-            </p:spPr>
-          </p:pic>
-          <p:sp>
-            <p:nvSpPr>
-              <p:cNvPr id="107" name="TextBox 106"/>
-              <p:cNvSpPr txBox="1"/>
-              <p:nvPr/>
-            </p:nvSpPr>
-            <p:spPr>
-              <a:xfrm>
-                <a:off x="5220991" y="3224538"/>
-                <a:ext cx="1818166" cy="817345"/>
-              </a:xfrm>
-              <a:prstGeom prst="rect">
-                <a:avLst/>
-              </a:prstGeom>
-              <a:noFill/>
-            </p:spPr>
-            <p:txBody>
-              <a:bodyPr wrap="none" rtlCol="0">
-                <a:spAutoFit/>
-              </a:bodyPr>
-              <a:lstStyle/>
-              <a:p>
-                <a:pPr algn="ctr"/>
-                <a:r>
-                  <a:rPr lang="en-US" sz="1700" dirty="0" smtClean="0">
-                    <a:solidFill>
-                      <a:schemeClr val="accent6"/>
-                    </a:solidFill>
-                    <a:latin typeface="Source Sans Pro Light" charset="0"/>
-                    <a:ea typeface="Source Sans Pro Light" charset="0"/>
-                    <a:cs typeface="Source Sans Pro Light" charset="0"/>
-                  </a:rPr>
-                  <a:t>MICROEJ</a:t>
-                </a:r>
-              </a:p>
-              <a:p>
-                <a:pPr algn="ctr"/>
-                <a:r>
-                  <a:rPr lang="en-US" sz="1700" dirty="0" smtClean="0">
-                    <a:solidFill>
-                      <a:schemeClr val="accent6"/>
-                    </a:solidFill>
-                    <a:latin typeface="Source Sans Pro Light" charset="0"/>
-                    <a:ea typeface="Source Sans Pro Light" charset="0"/>
-                    <a:cs typeface="Source Sans Pro Light" charset="0"/>
-                  </a:rPr>
-                  <a:t>APPLICATION</a:t>
-                </a:r>
-                <a:endParaRPr lang="en-US" sz="1700" dirty="0">
-                  <a:solidFill>
-                    <a:schemeClr val="accent6"/>
-                  </a:solidFill>
-                  <a:latin typeface="Source Sans Pro Light" charset="0"/>
-                  <a:ea typeface="Source Sans Pro Light" charset="0"/>
-                  <a:cs typeface="Source Sans Pro Light" charset="0"/>
-                </a:endParaRPr>
-              </a:p>
-            </p:txBody>
-          </p:sp>
-        </p:grpSp>
-        <p:pic>
-          <p:nvPicPr>
-            <p:cNvPr id="108" name="Picture 107"/>
-            <p:cNvPicPr>
-              <a:picLocks noChangeAspect="1"/>
-            </p:cNvPicPr>
-            <p:nvPr/>
-          </p:nvPicPr>
-          <p:blipFill>
-            <a:blip r:embed="rId5" cstate="print">
-              <a:extLst>
-                <a:ext uri="{28A0092B-C50C-407E-A947-70E740481C1C}">
-                  <a14:useLocalDpi xmlns:a14="http://schemas.microsoft.com/office/drawing/2010/main" val="0"/>
-                </a:ext>
-              </a:extLst>
-            </a:blip>
-            <a:stretch>
-              <a:fillRect/>
-            </a:stretch>
-          </p:blipFill>
-          <p:spPr>
-            <a:xfrm>
-              <a:off x="7776535" y="4928108"/>
-              <a:ext cx="1420624" cy="1420624"/>
-            </a:xfrm>
-            <a:prstGeom prst="rect">
-              <a:avLst/>
-            </a:prstGeom>
-          </p:spPr>
-        </p:pic>
+      </p:grpSp>
+      <p:grpSp>
+        <p:nvGrpSpPr>
+          <p:cNvPr id="35" name="Group 34"/>
+          <p:cNvGrpSpPr/>
+          <p:nvPr/>
+        </p:nvGrpSpPr>
+        <p:grpSpPr>
+          <a:xfrm>
+            <a:off x="3278342" y="1091258"/>
+            <a:ext cx="1017400" cy="985496"/>
+            <a:chOff x="3401830" y="806998"/>
+            <a:chExt cx="1017400" cy="985496"/>
+          </a:xfrm>
+        </p:grpSpPr>
         <p:sp>
           <p:nvSpPr>
-            <p:cNvPr id="109" name="Folded Corner 108"/>
+            <p:cNvPr id="84" name="Folded Corner 83"/>
             <p:cNvSpPr/>
             <p:nvPr/>
           </p:nvSpPr>
           <p:spPr>
             <a:xfrm>
-              <a:off x="2238909" y="4704633"/>
-              <a:ext cx="986733" cy="986733"/>
+              <a:off x="3405545" y="806998"/>
+              <a:ext cx="985496" cy="985496"/>
             </a:xfrm>
             <a:prstGeom prst="foldedCorner">
               <a:avLst/>
@@ -5236,14 +4570,14 @@
         </p:sp>
         <p:sp>
           <p:nvSpPr>
-            <p:cNvPr id="110" name="TextBox 109"/>
+            <p:cNvPr id="85" name="TextBox 84"/>
             <p:cNvSpPr txBox="1"/>
             <p:nvPr/>
           </p:nvSpPr>
           <p:spPr>
             <a:xfrm>
-              <a:off x="2196655" y="5009306"/>
-              <a:ext cx="1077830" cy="338554"/>
+              <a:off x="3401830" y="1013429"/>
+              <a:ext cx="1017400" cy="584775"/>
             </a:xfrm>
             <a:prstGeom prst="rect">
               <a:avLst/>
@@ -5266,18 +4600,137 @@
                 <a:t>Firmware</a:t>
               </a:r>
             </a:p>
+            <a:p>
+              <a:pPr algn="ctr"/>
+              <a:r>
+                <a:rPr lang="en-US" sz="1600" dirty="0">
+                  <a:latin typeface="Source Sans Pro" charset="0"/>
+                  <a:ea typeface="Source Sans Pro" charset="0"/>
+                  <a:cs typeface="Source Sans Pro" charset="0"/>
+                </a:rPr>
+                <a:t>Sources</a:t>
+              </a:r>
+            </a:p>
           </p:txBody>
         </p:sp>
+      </p:grpSp>
+      <p:sp>
+        <p:nvSpPr>
+          <p:cNvPr id="100" name="Folded Corner 99"/>
+          <p:cNvSpPr/>
+          <p:nvPr/>
+        </p:nvSpPr>
+        <p:spPr>
+          <a:xfrm>
+            <a:off x="2234292" y="3189259"/>
+            <a:ext cx="986733" cy="986733"/>
+          </a:xfrm>
+          <a:prstGeom prst="foldedCorner">
+            <a:avLst/>
+          </a:prstGeom>
+          <a:solidFill>
+            <a:schemeClr val="bg1"/>
+          </a:solidFill>
+          <a:ln>
+            <a:solidFill>
+              <a:schemeClr val="tx1"/>
+            </a:solidFill>
+          </a:ln>
+        </p:spPr>
+        <p:style>
+          <a:lnRef idx="2">
+            <a:schemeClr val="accent5">
+              <a:shade val="50000"/>
+            </a:schemeClr>
+          </a:lnRef>
+          <a:fillRef idx="1">
+            <a:schemeClr val="accent5"/>
+          </a:fillRef>
+          <a:effectRef idx="0">
+            <a:schemeClr val="accent5"/>
+          </a:effectRef>
+          <a:fontRef idx="minor">
+            <a:schemeClr val="lt1"/>
+          </a:fontRef>
+        </p:style>
+        <p:txBody>
+          <a:bodyPr rtlCol="0" anchor="ctr"/>
+          <a:lstStyle/>
+          <a:p>
+            <a:pPr algn="ctr"/>
+            <a:endParaRPr lang="en-US"/>
+          </a:p>
+        </p:txBody>
+      </p:sp>
+      <p:sp>
+        <p:nvSpPr>
+          <p:cNvPr id="101" name="TextBox 100"/>
+          <p:cNvSpPr txBox="1"/>
+          <p:nvPr/>
+        </p:nvSpPr>
+        <p:spPr>
+          <a:xfrm>
+            <a:off x="2294491" y="3399445"/>
+            <a:ext cx="858574" cy="584775"/>
+          </a:xfrm>
+          <a:prstGeom prst="rect">
+            <a:avLst/>
+          </a:prstGeom>
+          <a:noFill/>
+        </p:spPr>
+        <p:txBody>
+          <a:bodyPr wrap="square" rtlCol="0">
+            <a:spAutoFit/>
+          </a:bodyPr>
+          <a:lstStyle/>
+          <a:p>
+            <a:pPr algn="ctr"/>
+            <a:r>
+              <a:rPr lang="en-US" sz="1600" dirty="0">
+                <a:latin typeface="Source Sans Pro" charset="0"/>
+                <a:ea typeface="Source Sans Pro" charset="0"/>
+                <a:cs typeface="Source Sans Pro" charset="0"/>
+              </a:rPr>
+              <a:t>Virtual </a:t>
+            </a:r>
+          </a:p>
+          <a:p>
+            <a:pPr algn="ctr"/>
+            <a:r>
+              <a:rPr lang="en-US" sz="1600" dirty="0">
+                <a:latin typeface="Source Sans Pro" charset="0"/>
+                <a:ea typeface="Source Sans Pro" charset="0"/>
+                <a:cs typeface="Source Sans Pro" charset="0"/>
+              </a:rPr>
+              <a:t>Device</a:t>
+            </a:r>
+          </a:p>
+        </p:txBody>
+      </p:sp>
+      <p:grpSp>
+        <p:nvGrpSpPr>
+          <p:cNvPr id="104" name="Group 103"/>
+          <p:cNvGrpSpPr/>
+          <p:nvPr/>
+        </p:nvGrpSpPr>
+        <p:grpSpPr>
+          <a:xfrm>
+            <a:off x="10166971" y="4365754"/>
+            <a:ext cx="1384152" cy="1564012"/>
+            <a:chOff x="5210615" y="2573963"/>
+            <a:chExt cx="1837905" cy="2076731"/>
+          </a:xfrm>
+        </p:grpSpPr>
         <p:pic>
           <p:nvPicPr>
-            <p:cNvPr id="114" name="Picture 113"/>
+            <p:cNvPr id="105" name="Picture 104"/>
             <p:cNvPicPr>
               <a:picLocks noChangeAspect="1"/>
             </p:cNvPicPr>
             <p:nvPr/>
           </p:nvPicPr>
           <p:blipFill>
-            <a:blip r:embed="rId6" cstate="print">
+            <a:blip r:embed="rId2" cstate="print">
               <a:extLst>
                 <a:ext uri="{28A0092B-C50C-407E-A947-70E740481C1C}">
                   <a14:useLocalDpi xmlns:a14="http://schemas.microsoft.com/office/drawing/2010/main" val="0"/>
@@ -5289,9 +4742,9 @@
             </a:stretch>
           </p:blipFill>
           <p:spPr>
-            <a:xfrm>
-              <a:off x="4649658" y="3034923"/>
-              <a:ext cx="2371462" cy="1292446"/>
+            <a:xfrm rot="5400000">
+              <a:off x="5091202" y="2693376"/>
+              <a:ext cx="2076731" cy="1837905"/>
             </a:xfrm>
             <a:prstGeom prst="rect">
               <a:avLst/>
@@ -5300,194 +4753,486 @@
         </p:pic>
         <p:sp>
           <p:nvSpPr>
-            <p:cNvPr id="22" name="Freeform 21"/>
-            <p:cNvSpPr/>
-            <p:nvPr/>
-          </p:nvSpPr>
-          <p:spPr>
-            <a:xfrm>
-              <a:off x="1063251" y="3585858"/>
-              <a:ext cx="761519" cy="1615736"/>
-            </a:xfrm>
-            <a:custGeom>
-              <a:avLst/>
-              <a:gdLst>
-                <a:gd name="connsiteX0" fmla="*/ 0 w 701336"/>
-                <a:gd name="connsiteY0" fmla="*/ 0 h 1615736"/>
-                <a:gd name="connsiteX1" fmla="*/ 0 w 701336"/>
-                <a:gd name="connsiteY1" fmla="*/ 1615736 h 1615736"/>
-                <a:gd name="connsiteX2" fmla="*/ 701336 w 701336"/>
-                <a:gd name="connsiteY2" fmla="*/ 1615736 h 1615736"/>
-                <a:gd name="connsiteX3" fmla="*/ 692458 w 701336"/>
-                <a:gd name="connsiteY3" fmla="*/ 1615736 h 1615736"/>
-              </a:gdLst>
-              <a:ahLst/>
-              <a:cxnLst>
-                <a:cxn ang="0">
-                  <a:pos x="connsiteX0" y="connsiteY0"/>
-                </a:cxn>
-                <a:cxn ang="0">
-                  <a:pos x="connsiteX1" y="connsiteY1"/>
-                </a:cxn>
-                <a:cxn ang="0">
-                  <a:pos x="connsiteX2" y="connsiteY2"/>
-                </a:cxn>
-                <a:cxn ang="0">
-                  <a:pos x="connsiteX3" y="connsiteY3"/>
-                </a:cxn>
-              </a:cxnLst>
-              <a:rect l="l" t="t" r="r" b="b"/>
-              <a:pathLst>
-                <a:path w="701336" h="1615736">
-                  <a:moveTo>
-                    <a:pt x="0" y="0"/>
-                  </a:moveTo>
-                  <a:lnTo>
-                    <a:pt x="0" y="1615736"/>
-                  </a:lnTo>
-                  <a:lnTo>
-                    <a:pt x="701336" y="1615736"/>
-                  </a:lnTo>
-                  <a:lnTo>
-                    <a:pt x="692458" y="1615736"/>
-                  </a:lnTo>
-                </a:path>
-              </a:pathLst>
-            </a:custGeom>
-            <a:noFill/>
-            <a:ln w="28575">
-              <a:solidFill>
-                <a:schemeClr val="accent2"/>
-              </a:solidFill>
-              <a:headEnd type="none" w="med" len="med"/>
-              <a:tailEnd type="triangle" w="med" len="med"/>
-            </a:ln>
-          </p:spPr>
-          <p:style>
-            <a:lnRef idx="2">
-              <a:schemeClr val="accent1">
-                <a:shade val="50000"/>
-              </a:schemeClr>
-            </a:lnRef>
-            <a:fillRef idx="1">
-              <a:schemeClr val="accent1"/>
-            </a:fillRef>
-            <a:effectRef idx="0">
-              <a:schemeClr val="accent1"/>
-            </a:effectRef>
-            <a:fontRef idx="minor">
-              <a:schemeClr val="lt1"/>
-            </a:fontRef>
-          </p:style>
-          <p:txBody>
-            <a:bodyPr rtlCol="0" anchor="ctr"/>
-            <a:lstStyle/>
-            <a:p>
-              <a:pPr algn="ctr"/>
-              <a:endParaRPr lang="en-US"/>
-            </a:p>
-          </p:txBody>
-        </p:sp>
-        <p:sp>
-          <p:nvSpPr>
-            <p:cNvPr id="126" name="Freeform 125"/>
-            <p:cNvSpPr/>
-            <p:nvPr/>
-          </p:nvSpPr>
-          <p:spPr>
-            <a:xfrm>
-              <a:off x="1063252" y="2828170"/>
-              <a:ext cx="775338" cy="873052"/>
-            </a:xfrm>
-            <a:custGeom>
-              <a:avLst/>
-              <a:gdLst>
-                <a:gd name="connsiteX0" fmla="*/ 0 w 701336"/>
-                <a:gd name="connsiteY0" fmla="*/ 0 h 1615736"/>
-                <a:gd name="connsiteX1" fmla="*/ 0 w 701336"/>
-                <a:gd name="connsiteY1" fmla="*/ 1615736 h 1615736"/>
-                <a:gd name="connsiteX2" fmla="*/ 701336 w 701336"/>
-                <a:gd name="connsiteY2" fmla="*/ 1615736 h 1615736"/>
-                <a:gd name="connsiteX3" fmla="*/ 692458 w 701336"/>
-                <a:gd name="connsiteY3" fmla="*/ 1615736 h 1615736"/>
-              </a:gdLst>
-              <a:ahLst/>
-              <a:cxnLst>
-                <a:cxn ang="0">
-                  <a:pos x="connsiteX0" y="connsiteY0"/>
-                </a:cxn>
-                <a:cxn ang="0">
-                  <a:pos x="connsiteX1" y="connsiteY1"/>
-                </a:cxn>
-                <a:cxn ang="0">
-                  <a:pos x="connsiteX2" y="connsiteY2"/>
-                </a:cxn>
-                <a:cxn ang="0">
-                  <a:pos x="connsiteX3" y="connsiteY3"/>
-                </a:cxn>
-              </a:cxnLst>
-              <a:rect l="l" t="t" r="r" b="b"/>
-              <a:pathLst>
-                <a:path w="701336" h="1615736">
-                  <a:moveTo>
-                    <a:pt x="0" y="0"/>
-                  </a:moveTo>
-                  <a:lnTo>
-                    <a:pt x="0" y="1615736"/>
-                  </a:lnTo>
-                  <a:lnTo>
-                    <a:pt x="701336" y="1615736"/>
-                  </a:lnTo>
-                  <a:lnTo>
-                    <a:pt x="692458" y="1615736"/>
-                  </a:lnTo>
-                </a:path>
-              </a:pathLst>
-            </a:custGeom>
-            <a:noFill/>
-            <a:ln w="28575">
-              <a:solidFill>
-                <a:schemeClr val="accent2"/>
-              </a:solidFill>
-              <a:headEnd type="none" w="med" len="med"/>
-              <a:tailEnd type="triangle" w="med" len="med"/>
-            </a:ln>
-          </p:spPr>
-          <p:style>
-            <a:lnRef idx="2">
-              <a:schemeClr val="accent1">
-                <a:shade val="50000"/>
-              </a:schemeClr>
-            </a:lnRef>
-            <a:fillRef idx="1">
-              <a:schemeClr val="accent1"/>
-            </a:fillRef>
-            <a:effectRef idx="0">
-              <a:schemeClr val="accent1"/>
-            </a:effectRef>
-            <a:fontRef idx="minor">
-              <a:schemeClr val="lt1"/>
-            </a:fontRef>
-          </p:style>
-          <p:txBody>
-            <a:bodyPr rtlCol="0" anchor="ctr"/>
-            <a:lstStyle/>
-            <a:p>
-              <a:pPr algn="ctr"/>
-              <a:endParaRPr lang="en-US"/>
-            </a:p>
-          </p:txBody>
-        </p:sp>
-        <p:sp>
-          <p:nvSpPr>
-            <p:cNvPr id="127" name="TextBox 37"/>
+            <p:cNvPr id="107" name="TextBox 106"/>
             <p:cNvSpPr txBox="1"/>
             <p:nvPr/>
           </p:nvSpPr>
           <p:spPr>
             <a:xfrm>
-              <a:off x="3378502" y="5287403"/>
-              <a:ext cx="696024" cy="325602"/>
+              <a:off x="5220991" y="3224538"/>
+              <a:ext cx="1818166" cy="817345"/>
+            </a:xfrm>
+            <a:prstGeom prst="rect">
+              <a:avLst/>
+            </a:prstGeom>
+            <a:noFill/>
+          </p:spPr>
+          <p:txBody>
+            <a:bodyPr wrap="none" rtlCol="0">
+              <a:spAutoFit/>
+            </a:bodyPr>
+            <a:lstStyle/>
+            <a:p>
+              <a:pPr algn="ctr"/>
+              <a:r>
+                <a:rPr lang="en-US" sz="1700" dirty="0">
+                  <a:solidFill>
+                    <a:schemeClr val="accent6"/>
+                  </a:solidFill>
+                  <a:latin typeface="Source Sans Pro Light" charset="0"/>
+                  <a:ea typeface="Source Sans Pro Light" charset="0"/>
+                  <a:cs typeface="Source Sans Pro Light" charset="0"/>
+                </a:rPr>
+                <a:t>MICROEJ</a:t>
+              </a:r>
+            </a:p>
+            <a:p>
+              <a:pPr algn="ctr"/>
+              <a:r>
+                <a:rPr lang="en-US" sz="1700" dirty="0">
+                  <a:solidFill>
+                    <a:schemeClr val="accent6"/>
+                  </a:solidFill>
+                  <a:latin typeface="Source Sans Pro Light" charset="0"/>
+                  <a:ea typeface="Source Sans Pro Light" charset="0"/>
+                  <a:cs typeface="Source Sans Pro Light" charset="0"/>
+                </a:rPr>
+                <a:t>APPLICATION</a:t>
+              </a:r>
+            </a:p>
+          </p:txBody>
+        </p:sp>
+      </p:grpSp>
+      <p:pic>
+        <p:nvPicPr>
+          <p:cNvPr id="108" name="Picture 107"/>
+          <p:cNvPicPr>
+            <a:picLocks noChangeAspect="1"/>
+          </p:cNvPicPr>
+          <p:nvPr/>
+        </p:nvPicPr>
+        <p:blipFill>
+          <a:blip r:embed="rId3" cstate="print">
+            <a:extLst>
+              <a:ext uri="{28A0092B-C50C-407E-A947-70E740481C1C}">
+                <a14:useLocalDpi xmlns:a14="http://schemas.microsoft.com/office/drawing/2010/main" val="0"/>
+              </a:ext>
+            </a:extLst>
+          </a:blip>
+          <a:stretch>
+            <a:fillRect/>
+          </a:stretch>
+        </p:blipFill>
+        <p:spPr>
+          <a:xfrm>
+            <a:off x="7776535" y="4928108"/>
+            <a:ext cx="1420624" cy="1420624"/>
+          </a:xfrm>
+          <a:prstGeom prst="rect">
+            <a:avLst/>
+          </a:prstGeom>
+        </p:spPr>
+      </p:pic>
+      <p:sp>
+        <p:nvSpPr>
+          <p:cNvPr id="109" name="Folded Corner 108"/>
+          <p:cNvSpPr/>
+          <p:nvPr/>
+        </p:nvSpPr>
+        <p:spPr>
+          <a:xfrm>
+            <a:off x="2238909" y="4704633"/>
+            <a:ext cx="986733" cy="986733"/>
+          </a:xfrm>
+          <a:prstGeom prst="foldedCorner">
+            <a:avLst/>
+          </a:prstGeom>
+          <a:solidFill>
+            <a:schemeClr val="bg1"/>
+          </a:solidFill>
+          <a:ln>
+            <a:solidFill>
+              <a:schemeClr val="tx1"/>
+            </a:solidFill>
+          </a:ln>
+        </p:spPr>
+        <p:style>
+          <a:lnRef idx="2">
+            <a:schemeClr val="accent5">
+              <a:shade val="50000"/>
+            </a:schemeClr>
+          </a:lnRef>
+          <a:fillRef idx="1">
+            <a:schemeClr val="accent5"/>
+          </a:fillRef>
+          <a:effectRef idx="0">
+            <a:schemeClr val="accent5"/>
+          </a:effectRef>
+          <a:fontRef idx="minor">
+            <a:schemeClr val="lt1"/>
+          </a:fontRef>
+        </p:style>
+        <p:txBody>
+          <a:bodyPr rtlCol="0" anchor="ctr"/>
+          <a:lstStyle/>
+          <a:p>
+            <a:pPr algn="ctr"/>
+            <a:endParaRPr lang="en-US"/>
+          </a:p>
+        </p:txBody>
+      </p:sp>
+      <p:sp>
+        <p:nvSpPr>
+          <p:cNvPr id="110" name="TextBox 109"/>
+          <p:cNvSpPr txBox="1"/>
+          <p:nvPr/>
+        </p:nvSpPr>
+        <p:spPr>
+          <a:xfrm>
+            <a:off x="2196655" y="5009306"/>
+            <a:ext cx="1077830" cy="338554"/>
+          </a:xfrm>
+          <a:prstGeom prst="rect">
+            <a:avLst/>
+          </a:prstGeom>
+          <a:noFill/>
+        </p:spPr>
+        <p:txBody>
+          <a:bodyPr wrap="square" rtlCol="0">
+            <a:spAutoFit/>
+          </a:bodyPr>
+          <a:lstStyle/>
+          <a:p>
+            <a:pPr algn="ctr"/>
+            <a:r>
+              <a:rPr lang="en-US" sz="1600" dirty="0">
+                <a:latin typeface="Source Sans Pro" charset="0"/>
+                <a:ea typeface="Source Sans Pro" charset="0"/>
+                <a:cs typeface="Source Sans Pro" charset="0"/>
+              </a:rPr>
+              <a:t>Firmware</a:t>
+            </a:r>
+          </a:p>
+        </p:txBody>
+      </p:sp>
+      <p:pic>
+        <p:nvPicPr>
+          <p:cNvPr id="114" name="Picture 113"/>
+          <p:cNvPicPr>
+            <a:picLocks noChangeAspect="1"/>
+          </p:cNvPicPr>
+          <p:nvPr/>
+        </p:nvPicPr>
+        <p:blipFill>
+          <a:blip r:embed="rId4" cstate="print">
+            <a:extLst>
+              <a:ext uri="{28A0092B-C50C-407E-A947-70E740481C1C}">
+                <a14:useLocalDpi xmlns:a14="http://schemas.microsoft.com/office/drawing/2010/main" val="0"/>
+              </a:ext>
+            </a:extLst>
+          </a:blip>
+          <a:stretch>
+            <a:fillRect/>
+          </a:stretch>
+        </p:blipFill>
+        <p:spPr>
+          <a:xfrm>
+            <a:off x="4649658" y="3034923"/>
+            <a:ext cx="2371462" cy="1292446"/>
+          </a:xfrm>
+          <a:prstGeom prst="rect">
+            <a:avLst/>
+          </a:prstGeom>
+        </p:spPr>
+      </p:pic>
+      <p:sp>
+        <p:nvSpPr>
+          <p:cNvPr id="22" name="Freeform 21"/>
+          <p:cNvSpPr/>
+          <p:nvPr/>
+        </p:nvSpPr>
+        <p:spPr>
+          <a:xfrm>
+            <a:off x="1063251" y="3585858"/>
+            <a:ext cx="761519" cy="1615736"/>
+          </a:xfrm>
+          <a:custGeom>
+            <a:avLst/>
+            <a:gdLst>
+              <a:gd name="connsiteX0" fmla="*/ 0 w 701336"/>
+              <a:gd name="connsiteY0" fmla="*/ 0 h 1615736"/>
+              <a:gd name="connsiteX1" fmla="*/ 0 w 701336"/>
+              <a:gd name="connsiteY1" fmla="*/ 1615736 h 1615736"/>
+              <a:gd name="connsiteX2" fmla="*/ 701336 w 701336"/>
+              <a:gd name="connsiteY2" fmla="*/ 1615736 h 1615736"/>
+              <a:gd name="connsiteX3" fmla="*/ 692458 w 701336"/>
+              <a:gd name="connsiteY3" fmla="*/ 1615736 h 1615736"/>
+            </a:gdLst>
+            <a:ahLst/>
+            <a:cxnLst>
+              <a:cxn ang="0">
+                <a:pos x="connsiteX0" y="connsiteY0"/>
+              </a:cxn>
+              <a:cxn ang="0">
+                <a:pos x="connsiteX1" y="connsiteY1"/>
+              </a:cxn>
+              <a:cxn ang="0">
+                <a:pos x="connsiteX2" y="connsiteY2"/>
+              </a:cxn>
+              <a:cxn ang="0">
+                <a:pos x="connsiteX3" y="connsiteY3"/>
+              </a:cxn>
+            </a:cxnLst>
+            <a:rect l="l" t="t" r="r" b="b"/>
+            <a:pathLst>
+              <a:path w="701336" h="1615736">
+                <a:moveTo>
+                  <a:pt x="0" y="0"/>
+                </a:moveTo>
+                <a:lnTo>
+                  <a:pt x="0" y="1615736"/>
+                </a:lnTo>
+                <a:lnTo>
+                  <a:pt x="701336" y="1615736"/>
+                </a:lnTo>
+                <a:lnTo>
+                  <a:pt x="692458" y="1615736"/>
+                </a:lnTo>
+              </a:path>
+            </a:pathLst>
+          </a:custGeom>
+          <a:noFill/>
+          <a:ln w="28575">
+            <a:solidFill>
+              <a:schemeClr val="accent2"/>
+            </a:solidFill>
+            <a:headEnd type="none" w="med" len="med"/>
+            <a:tailEnd type="triangle" w="med" len="med"/>
+          </a:ln>
+        </p:spPr>
+        <p:style>
+          <a:lnRef idx="2">
+            <a:schemeClr val="accent1">
+              <a:shade val="50000"/>
+            </a:schemeClr>
+          </a:lnRef>
+          <a:fillRef idx="1">
+            <a:schemeClr val="accent1"/>
+          </a:fillRef>
+          <a:effectRef idx="0">
+            <a:schemeClr val="accent1"/>
+          </a:effectRef>
+          <a:fontRef idx="minor">
+            <a:schemeClr val="lt1"/>
+          </a:fontRef>
+        </p:style>
+        <p:txBody>
+          <a:bodyPr rtlCol="0" anchor="ctr"/>
+          <a:lstStyle/>
+          <a:p>
+            <a:pPr algn="ctr"/>
+            <a:endParaRPr lang="en-US"/>
+          </a:p>
+        </p:txBody>
+      </p:sp>
+      <p:sp>
+        <p:nvSpPr>
+          <p:cNvPr id="126" name="Freeform 125"/>
+          <p:cNvSpPr/>
+          <p:nvPr/>
+        </p:nvSpPr>
+        <p:spPr>
+          <a:xfrm>
+            <a:off x="1063252" y="2828170"/>
+            <a:ext cx="775338" cy="873052"/>
+          </a:xfrm>
+          <a:custGeom>
+            <a:avLst/>
+            <a:gdLst>
+              <a:gd name="connsiteX0" fmla="*/ 0 w 701336"/>
+              <a:gd name="connsiteY0" fmla="*/ 0 h 1615736"/>
+              <a:gd name="connsiteX1" fmla="*/ 0 w 701336"/>
+              <a:gd name="connsiteY1" fmla="*/ 1615736 h 1615736"/>
+              <a:gd name="connsiteX2" fmla="*/ 701336 w 701336"/>
+              <a:gd name="connsiteY2" fmla="*/ 1615736 h 1615736"/>
+              <a:gd name="connsiteX3" fmla="*/ 692458 w 701336"/>
+              <a:gd name="connsiteY3" fmla="*/ 1615736 h 1615736"/>
+            </a:gdLst>
+            <a:ahLst/>
+            <a:cxnLst>
+              <a:cxn ang="0">
+                <a:pos x="connsiteX0" y="connsiteY0"/>
+              </a:cxn>
+              <a:cxn ang="0">
+                <a:pos x="connsiteX1" y="connsiteY1"/>
+              </a:cxn>
+              <a:cxn ang="0">
+                <a:pos x="connsiteX2" y="connsiteY2"/>
+              </a:cxn>
+              <a:cxn ang="0">
+                <a:pos x="connsiteX3" y="connsiteY3"/>
+              </a:cxn>
+            </a:cxnLst>
+            <a:rect l="l" t="t" r="r" b="b"/>
+            <a:pathLst>
+              <a:path w="701336" h="1615736">
+                <a:moveTo>
+                  <a:pt x="0" y="0"/>
+                </a:moveTo>
+                <a:lnTo>
+                  <a:pt x="0" y="1615736"/>
+                </a:lnTo>
+                <a:lnTo>
+                  <a:pt x="701336" y="1615736"/>
+                </a:lnTo>
+                <a:lnTo>
+                  <a:pt x="692458" y="1615736"/>
+                </a:lnTo>
+              </a:path>
+            </a:pathLst>
+          </a:custGeom>
+          <a:noFill/>
+          <a:ln w="28575">
+            <a:solidFill>
+              <a:schemeClr val="accent2"/>
+            </a:solidFill>
+            <a:headEnd type="none" w="med" len="med"/>
+            <a:tailEnd type="triangle" w="med" len="med"/>
+          </a:ln>
+        </p:spPr>
+        <p:style>
+          <a:lnRef idx="2">
+            <a:schemeClr val="accent1">
+              <a:shade val="50000"/>
+            </a:schemeClr>
+          </a:lnRef>
+          <a:fillRef idx="1">
+            <a:schemeClr val="accent1"/>
+          </a:fillRef>
+          <a:effectRef idx="0">
+            <a:schemeClr val="accent1"/>
+          </a:effectRef>
+          <a:fontRef idx="minor">
+            <a:schemeClr val="lt1"/>
+          </a:fontRef>
+        </p:style>
+        <p:txBody>
+          <a:bodyPr rtlCol="0" anchor="ctr"/>
+          <a:lstStyle/>
+          <a:p>
+            <a:pPr algn="ctr"/>
+            <a:endParaRPr lang="en-US"/>
+          </a:p>
+        </p:txBody>
+      </p:sp>
+      <p:sp>
+        <p:nvSpPr>
+          <p:cNvPr id="127" name="TextBox 37"/>
+          <p:cNvSpPr txBox="1"/>
+          <p:nvPr/>
+        </p:nvSpPr>
+        <p:spPr>
+          <a:xfrm>
+            <a:off x="3378502" y="5287403"/>
+            <a:ext cx="696024" cy="325602"/>
+          </a:xfrm>
+          <a:prstGeom prst="rect">
+            <a:avLst/>
+          </a:prstGeom>
+          <a:noFill/>
+        </p:spPr>
+        <p:txBody>
+          <a:bodyPr wrap="none" rtlCol="0">
+            <a:spAutoFit/>
+          </a:bodyPr>
+          <a:lstStyle/>
+          <a:p>
+            <a:pPr algn="ctr">
+              <a:lnSpc>
+                <a:spcPts val="1800"/>
+              </a:lnSpc>
+              <a:spcBef>
+                <a:spcPts val="600"/>
+              </a:spcBef>
+              <a:spcAft>
+                <a:spcPts val="600"/>
+              </a:spcAft>
+            </a:pPr>
+            <a:r>
+              <a:rPr lang="en-US" dirty="0">
+                <a:solidFill>
+                  <a:schemeClr val="accent2"/>
+                </a:solidFill>
+                <a:latin typeface="Source Sans Pro" charset="0"/>
+                <a:ea typeface="Source Sans Pro" charset="0"/>
+                <a:cs typeface="Source Sans Pro" charset="0"/>
+              </a:rPr>
+              <a:t>Flash</a:t>
+            </a:r>
+          </a:p>
+        </p:txBody>
+      </p:sp>
+      <p:cxnSp>
+        <p:nvCxnSpPr>
+          <p:cNvPr id="128" name="Straight Arrow Connector 127"/>
+          <p:cNvCxnSpPr/>
+          <p:nvPr/>
+        </p:nvCxnSpPr>
+        <p:spPr>
+          <a:xfrm>
+            <a:off x="3405545" y="5201594"/>
+            <a:ext cx="684007" cy="0"/>
+          </a:xfrm>
+          <a:prstGeom prst="straightConnector1">
+            <a:avLst/>
+          </a:prstGeom>
+          <a:ln w="28575">
+            <a:solidFill>
+              <a:schemeClr val="accent2"/>
+            </a:solidFill>
+            <a:headEnd type="none" w="med" len="med"/>
+            <a:tailEnd type="triangle" w="med" len="med"/>
+          </a:ln>
+        </p:spPr>
+        <p:style>
+          <a:lnRef idx="1">
+            <a:schemeClr val="accent1"/>
+          </a:lnRef>
+          <a:fillRef idx="0">
+            <a:schemeClr val="accent1"/>
+          </a:fillRef>
+          <a:effectRef idx="0">
+            <a:schemeClr val="accent1"/>
+          </a:effectRef>
+          <a:fontRef idx="minor">
+            <a:schemeClr val="tx1"/>
+          </a:fontRef>
+        </p:style>
+      </p:cxnSp>
+      <p:grpSp>
+        <p:nvGrpSpPr>
+          <p:cNvPr id="27" name="Group 26"/>
+          <p:cNvGrpSpPr/>
+          <p:nvPr/>
+        </p:nvGrpSpPr>
+        <p:grpSpPr>
+          <a:xfrm>
+            <a:off x="7039185" y="5460898"/>
+            <a:ext cx="782587" cy="411411"/>
+            <a:chOff x="7039185" y="5347860"/>
+            <a:chExt cx="782587" cy="411411"/>
+          </a:xfrm>
+        </p:grpSpPr>
+        <p:sp>
+          <p:nvSpPr>
+            <p:cNvPr id="157" name="TextBox 37"/>
+            <p:cNvSpPr txBox="1"/>
+            <p:nvPr/>
+          </p:nvSpPr>
+          <p:spPr>
+            <a:xfrm>
+              <a:off x="7039185" y="5433669"/>
+              <a:ext cx="782587" cy="325602"/>
             </a:xfrm>
             <a:prstGeom prst="rect">
               <a:avLst/>
@@ -5512,206 +5257,7 @@
                 </a:spcAft>
               </a:pPr>
               <a:r>
-                <a:rPr lang="en-US" dirty="0" smtClean="0">
-                  <a:solidFill>
-                    <a:schemeClr val="accent2"/>
-                  </a:solidFill>
-                  <a:latin typeface="Source Sans Pro" charset="0"/>
-                  <a:ea typeface="Source Sans Pro" charset="0"/>
-                  <a:cs typeface="Source Sans Pro" charset="0"/>
-                </a:rPr>
-                <a:t>Flash</a:t>
-              </a:r>
-              <a:endParaRPr lang="en-US" dirty="0">
-                <a:solidFill>
-                  <a:schemeClr val="accent2"/>
-                </a:solidFill>
-                <a:latin typeface="Source Sans Pro" charset="0"/>
-                <a:ea typeface="Source Sans Pro" charset="0"/>
-                <a:cs typeface="Source Sans Pro" charset="0"/>
-              </a:endParaRPr>
-            </a:p>
-          </p:txBody>
-        </p:sp>
-        <p:cxnSp>
-          <p:nvCxnSpPr>
-            <p:cNvPr id="128" name="Straight Arrow Connector 127"/>
-            <p:cNvCxnSpPr/>
-            <p:nvPr/>
-          </p:nvCxnSpPr>
-          <p:spPr>
-            <a:xfrm>
-              <a:off x="3405545" y="5201594"/>
-              <a:ext cx="684007" cy="0"/>
-            </a:xfrm>
-            <a:prstGeom prst="straightConnector1">
-              <a:avLst/>
-            </a:prstGeom>
-            <a:ln w="28575">
-              <a:solidFill>
-                <a:schemeClr val="accent2"/>
-              </a:solidFill>
-              <a:headEnd type="none" w="med" len="med"/>
-              <a:tailEnd type="triangle" w="med" len="med"/>
-            </a:ln>
-          </p:spPr>
-          <p:style>
-            <a:lnRef idx="1">
-              <a:schemeClr val="accent1"/>
-            </a:lnRef>
-            <a:fillRef idx="0">
-              <a:schemeClr val="accent1"/>
-            </a:fillRef>
-            <a:effectRef idx="0">
-              <a:schemeClr val="accent1"/>
-            </a:effectRef>
-            <a:fontRef idx="minor">
-              <a:schemeClr val="tx1"/>
-            </a:fontRef>
-          </p:style>
-        </p:cxnSp>
-        <p:grpSp>
-          <p:nvGrpSpPr>
-            <p:cNvPr id="27" name="Group 26"/>
-            <p:cNvGrpSpPr/>
-            <p:nvPr/>
-          </p:nvGrpSpPr>
-          <p:grpSpPr>
-            <a:xfrm>
-              <a:off x="7039185" y="5460898"/>
-              <a:ext cx="782587" cy="411411"/>
-              <a:chOff x="7039185" y="5347860"/>
-              <a:chExt cx="782587" cy="411411"/>
-            </a:xfrm>
-          </p:grpSpPr>
-          <p:sp>
-            <p:nvSpPr>
-              <p:cNvPr id="157" name="TextBox 37"/>
-              <p:cNvSpPr txBox="1"/>
-              <p:nvPr/>
-            </p:nvSpPr>
-            <p:spPr>
-              <a:xfrm>
-                <a:off x="7039185" y="5433669"/>
-                <a:ext cx="782587" cy="325602"/>
-              </a:xfrm>
-              <a:prstGeom prst="rect">
-                <a:avLst/>
-              </a:prstGeom>
-              <a:noFill/>
-            </p:spPr>
-            <p:txBody>
-              <a:bodyPr wrap="none" rtlCol="0">
-                <a:spAutoFit/>
-              </a:bodyPr>
-              <a:lstStyle/>
-              <a:p>
-                <a:pPr algn="ctr">
-                  <a:lnSpc>
-                    <a:spcPts val="1800"/>
-                  </a:lnSpc>
-                  <a:spcBef>
-                    <a:spcPts val="600"/>
-                  </a:spcBef>
-                  <a:spcAft>
-                    <a:spcPts val="600"/>
-                  </a:spcAft>
-                </a:pPr>
-                <a:r>
-                  <a:rPr lang="en-US" dirty="0" smtClean="0">
-                    <a:solidFill>
-                      <a:schemeClr val="accent1"/>
-                    </a:solidFill>
-                    <a:latin typeface="Source Sans Pro" charset="0"/>
-                    <a:ea typeface="Source Sans Pro" charset="0"/>
-                    <a:cs typeface="Source Sans Pro" charset="0"/>
-                  </a:rPr>
-                  <a:t>Install</a:t>
-                </a:r>
-                <a:endParaRPr lang="en-US" dirty="0">
-                  <a:solidFill>
-                    <a:schemeClr val="accent1"/>
-                  </a:solidFill>
-                  <a:latin typeface="Source Sans Pro" charset="0"/>
-                  <a:ea typeface="Source Sans Pro" charset="0"/>
-                  <a:cs typeface="Source Sans Pro" charset="0"/>
-                </a:endParaRPr>
-              </a:p>
-            </p:txBody>
-          </p:sp>
-          <p:cxnSp>
-            <p:nvCxnSpPr>
-              <p:cNvPr id="158" name="Straight Arrow Connector 157"/>
-              <p:cNvCxnSpPr/>
-              <p:nvPr/>
-            </p:nvCxnSpPr>
-            <p:spPr>
-              <a:xfrm flipH="1">
-                <a:off x="7070103" y="5347860"/>
-                <a:ext cx="716486" cy="0"/>
-              </a:xfrm>
-              <a:prstGeom prst="straightConnector1">
-                <a:avLst/>
-              </a:prstGeom>
-              <a:ln w="28575">
-                <a:solidFill>
-                  <a:schemeClr val="accent1"/>
-                </a:solidFill>
-                <a:headEnd type="none" w="med" len="med"/>
-                <a:tailEnd type="triangle" w="med" len="med"/>
-              </a:ln>
-            </p:spPr>
-            <p:style>
-              <a:lnRef idx="1">
-                <a:schemeClr val="accent1"/>
-              </a:lnRef>
-              <a:fillRef idx="0">
-                <a:schemeClr val="accent1"/>
-              </a:fillRef>
-              <a:effectRef idx="0">
-                <a:schemeClr val="accent1"/>
-              </a:effectRef>
-              <a:fontRef idx="minor">
-                <a:schemeClr val="tx1"/>
-              </a:fontRef>
-            </p:style>
-          </p:cxnSp>
-        </p:grpSp>
-        <p:sp>
-          <p:nvSpPr>
-            <p:cNvPr id="159" name="TextBox 37"/>
-            <p:cNvSpPr txBox="1"/>
-            <p:nvPr/>
-          </p:nvSpPr>
-          <p:spPr>
-            <a:xfrm>
-              <a:off x="9133099" y="5546707"/>
-              <a:ext cx="902812" cy="325602"/>
-            </a:xfrm>
-            <a:prstGeom prst="rect">
-              <a:avLst/>
-            </a:prstGeom>
-            <a:noFill/>
-          </p:spPr>
-          <p:txBody>
-            <a:bodyPr wrap="none" rtlCol="0">
-              <a:spAutoFit/>
-            </a:bodyPr>
-            <a:lstStyle/>
-            <a:p>
-              <a:pPr algn="ctr">
-                <a:lnSpc>
-                  <a:spcPts val="1800"/>
-                </a:lnSpc>
-                <a:spcBef>
-                  <a:spcPts val="600"/>
-                </a:spcBef>
-                <a:spcAft>
-                  <a:spcPts val="600"/>
-                </a:spcAft>
-              </a:pPr>
-              <a:r>
-                <a:rPr lang="en-US" dirty="0" smtClean="0">
+                <a:rPr lang="en-US" dirty="0">
                   <a:solidFill>
                     <a:schemeClr val="accent1"/>
                   </a:solidFill>
@@ -5719,29 +5265,21 @@
                   <a:ea typeface="Source Sans Pro" charset="0"/>
                   <a:cs typeface="Source Sans Pro" charset="0"/>
                 </a:rPr>
-                <a:t>Publish</a:t>
+                <a:t>Install</a:t>
               </a:r>
-              <a:endParaRPr lang="en-US" dirty="0">
-                <a:solidFill>
-                  <a:schemeClr val="accent1"/>
-                </a:solidFill>
-                <a:latin typeface="Source Sans Pro" charset="0"/>
-                <a:ea typeface="Source Sans Pro" charset="0"/>
-                <a:cs typeface="Source Sans Pro" charset="0"/>
-              </a:endParaRPr>
             </a:p>
           </p:txBody>
         </p:sp>
         <p:cxnSp>
           <p:nvCxnSpPr>
-            <p:cNvPr id="160" name="Straight Arrow Connector 159"/>
+            <p:cNvPr id="158" name="Straight Arrow Connector 157"/>
             <p:cNvCxnSpPr/>
             <p:nvPr/>
           </p:nvCxnSpPr>
           <p:spPr>
             <a:xfrm flipH="1">
-              <a:off x="9133099" y="5460898"/>
-              <a:ext cx="787400" cy="0"/>
+              <a:off x="7070103" y="5347860"/>
+              <a:ext cx="716486" cy="0"/>
             </a:xfrm>
             <a:prstGeom prst="straightConnector1">
               <a:avLst/>
@@ -5769,16 +5307,412 @@
             </a:fontRef>
           </p:style>
         </p:cxnSp>
+      </p:grpSp>
+      <p:sp>
+        <p:nvSpPr>
+          <p:cNvPr id="159" name="TextBox 37"/>
+          <p:cNvSpPr txBox="1"/>
+          <p:nvPr/>
+        </p:nvSpPr>
+        <p:spPr>
+          <a:xfrm>
+            <a:off x="9133099" y="5546707"/>
+            <a:ext cx="902812" cy="325602"/>
+          </a:xfrm>
+          <a:prstGeom prst="rect">
+            <a:avLst/>
+          </a:prstGeom>
+          <a:noFill/>
+        </p:spPr>
+        <p:txBody>
+          <a:bodyPr wrap="none" rtlCol="0">
+            <a:spAutoFit/>
+          </a:bodyPr>
+          <a:lstStyle/>
+          <a:p>
+            <a:pPr algn="ctr">
+              <a:lnSpc>
+                <a:spcPts val="1800"/>
+              </a:lnSpc>
+              <a:spcBef>
+                <a:spcPts val="600"/>
+              </a:spcBef>
+              <a:spcAft>
+                <a:spcPts val="600"/>
+              </a:spcAft>
+            </a:pPr>
+            <a:r>
+              <a:rPr lang="en-US" dirty="0">
+                <a:solidFill>
+                  <a:schemeClr val="accent1"/>
+                </a:solidFill>
+                <a:latin typeface="Source Sans Pro" charset="0"/>
+                <a:ea typeface="Source Sans Pro" charset="0"/>
+                <a:cs typeface="Source Sans Pro" charset="0"/>
+              </a:rPr>
+              <a:t>Publish</a:t>
+            </a:r>
+          </a:p>
+        </p:txBody>
+      </p:sp>
+      <p:cxnSp>
+        <p:nvCxnSpPr>
+          <p:cNvPr id="160" name="Straight Arrow Connector 159"/>
+          <p:cNvCxnSpPr/>
+          <p:nvPr/>
+        </p:nvCxnSpPr>
+        <p:spPr>
+          <a:xfrm flipH="1">
+            <a:off x="9133099" y="5460898"/>
+            <a:ext cx="787400" cy="0"/>
+          </a:xfrm>
+          <a:prstGeom prst="straightConnector1">
+            <a:avLst/>
+          </a:prstGeom>
+          <a:ln w="28575">
+            <a:solidFill>
+              <a:schemeClr val="accent1"/>
+            </a:solidFill>
+            <a:headEnd type="none" w="med" len="med"/>
+            <a:tailEnd type="triangle" w="med" len="med"/>
+          </a:ln>
+        </p:spPr>
+        <p:style>
+          <a:lnRef idx="1">
+            <a:schemeClr val="accent1"/>
+          </a:lnRef>
+          <a:fillRef idx="0">
+            <a:schemeClr val="accent1"/>
+          </a:fillRef>
+          <a:effectRef idx="0">
+            <a:schemeClr val="accent1"/>
+          </a:effectRef>
+          <a:fontRef idx="minor">
+            <a:schemeClr val="tx1"/>
+          </a:fontRef>
+        </p:style>
+      </p:cxnSp>
+      <p:sp>
+        <p:nvSpPr>
+          <p:cNvPr id="129" name="TextBox 37"/>
+          <p:cNvSpPr txBox="1"/>
+          <p:nvPr/>
+        </p:nvSpPr>
+        <p:spPr>
+          <a:xfrm>
+            <a:off x="1150581" y="3791850"/>
+            <a:ext cx="688009" cy="325602"/>
+          </a:xfrm>
+          <a:prstGeom prst="rect">
+            <a:avLst/>
+          </a:prstGeom>
+          <a:noFill/>
+        </p:spPr>
+        <p:txBody>
+          <a:bodyPr wrap="none" rtlCol="0">
+            <a:spAutoFit/>
+          </a:bodyPr>
+          <a:lstStyle/>
+          <a:p>
+            <a:pPr algn="ctr">
+              <a:lnSpc>
+                <a:spcPts val="1800"/>
+              </a:lnSpc>
+              <a:spcBef>
+                <a:spcPts val="600"/>
+              </a:spcBef>
+              <a:spcAft>
+                <a:spcPts val="600"/>
+              </a:spcAft>
+            </a:pPr>
+            <a:r>
+              <a:rPr lang="en-US" dirty="0">
+                <a:solidFill>
+                  <a:schemeClr val="accent2"/>
+                </a:solidFill>
+                <a:latin typeface="Source Sans Pro" charset="0"/>
+                <a:ea typeface="Source Sans Pro" charset="0"/>
+                <a:cs typeface="Source Sans Pro" charset="0"/>
+              </a:rPr>
+              <a:t>Build</a:t>
+            </a:r>
+          </a:p>
+        </p:txBody>
+      </p:sp>
+      <p:sp>
+        <p:nvSpPr>
+          <p:cNvPr id="131" name="TextBox 37"/>
+          <p:cNvSpPr txBox="1"/>
+          <p:nvPr/>
+        </p:nvSpPr>
+        <p:spPr>
+          <a:xfrm>
+            <a:off x="1150581" y="5301413"/>
+            <a:ext cx="688009" cy="325602"/>
+          </a:xfrm>
+          <a:prstGeom prst="rect">
+            <a:avLst/>
+          </a:prstGeom>
+          <a:noFill/>
+        </p:spPr>
+        <p:txBody>
+          <a:bodyPr wrap="none" rtlCol="0">
+            <a:spAutoFit/>
+          </a:bodyPr>
+          <a:lstStyle/>
+          <a:p>
+            <a:pPr algn="ctr">
+              <a:lnSpc>
+                <a:spcPts val="1800"/>
+              </a:lnSpc>
+              <a:spcBef>
+                <a:spcPts val="600"/>
+              </a:spcBef>
+              <a:spcAft>
+                <a:spcPts val="600"/>
+              </a:spcAft>
+            </a:pPr>
+            <a:r>
+              <a:rPr lang="en-US" dirty="0">
+                <a:solidFill>
+                  <a:schemeClr val="accent2"/>
+                </a:solidFill>
+                <a:latin typeface="Source Sans Pro" charset="0"/>
+                <a:ea typeface="Source Sans Pro" charset="0"/>
+                <a:cs typeface="Source Sans Pro" charset="0"/>
+              </a:rPr>
+              <a:t>Build</a:t>
+            </a:r>
+          </a:p>
+        </p:txBody>
+      </p:sp>
+      <p:sp>
+        <p:nvSpPr>
+          <p:cNvPr id="134" name="TextBox 37"/>
+          <p:cNvSpPr txBox="1"/>
+          <p:nvPr/>
+        </p:nvSpPr>
+        <p:spPr>
+          <a:xfrm>
+            <a:off x="8198119" y="2789334"/>
+            <a:ext cx="846707" cy="369332"/>
+          </a:xfrm>
+          <a:prstGeom prst="rect">
+            <a:avLst/>
+          </a:prstGeom>
+          <a:noFill/>
+        </p:spPr>
+        <p:txBody>
+          <a:bodyPr wrap="none" rtlCol="0">
+            <a:spAutoFit/>
+          </a:bodyPr>
+          <a:lstStyle/>
+          <a:p>
+            <a:r>
+              <a:rPr lang="en-US" dirty="0">
+                <a:solidFill>
+                  <a:schemeClr val="accent2"/>
+                </a:solidFill>
+                <a:latin typeface="Source Sans Pro" charset="0"/>
+                <a:ea typeface="Source Sans Pro" charset="0"/>
+                <a:cs typeface="Source Sans Pro" charset="0"/>
+              </a:rPr>
+              <a:t>Import</a:t>
+            </a:r>
+          </a:p>
+        </p:txBody>
+      </p:sp>
+      <p:sp>
+        <p:nvSpPr>
+          <p:cNvPr id="137" name="Freeform 136"/>
+          <p:cNvSpPr/>
+          <p:nvPr/>
+        </p:nvSpPr>
+        <p:spPr>
+          <a:xfrm rot="16200000">
+            <a:off x="7161395" y="2743198"/>
+            <a:ext cx="865856" cy="1035802"/>
+          </a:xfrm>
+          <a:custGeom>
+            <a:avLst/>
+            <a:gdLst>
+              <a:gd name="connsiteX0" fmla="*/ 0 w 701336"/>
+              <a:gd name="connsiteY0" fmla="*/ 0 h 1615736"/>
+              <a:gd name="connsiteX1" fmla="*/ 0 w 701336"/>
+              <a:gd name="connsiteY1" fmla="*/ 1615736 h 1615736"/>
+              <a:gd name="connsiteX2" fmla="*/ 701336 w 701336"/>
+              <a:gd name="connsiteY2" fmla="*/ 1615736 h 1615736"/>
+              <a:gd name="connsiteX3" fmla="*/ 692458 w 701336"/>
+              <a:gd name="connsiteY3" fmla="*/ 1615736 h 1615736"/>
+            </a:gdLst>
+            <a:ahLst/>
+            <a:cxnLst>
+              <a:cxn ang="0">
+                <a:pos x="connsiteX0" y="connsiteY0"/>
+              </a:cxn>
+              <a:cxn ang="0">
+                <a:pos x="connsiteX1" y="connsiteY1"/>
+              </a:cxn>
+              <a:cxn ang="0">
+                <a:pos x="connsiteX2" y="connsiteY2"/>
+              </a:cxn>
+              <a:cxn ang="0">
+                <a:pos x="connsiteX3" y="connsiteY3"/>
+              </a:cxn>
+            </a:cxnLst>
+            <a:rect l="l" t="t" r="r" b="b"/>
+            <a:pathLst>
+              <a:path w="701336" h="1615736">
+                <a:moveTo>
+                  <a:pt x="0" y="0"/>
+                </a:moveTo>
+                <a:lnTo>
+                  <a:pt x="0" y="1615736"/>
+                </a:lnTo>
+                <a:lnTo>
+                  <a:pt x="701336" y="1615736"/>
+                </a:lnTo>
+                <a:lnTo>
+                  <a:pt x="692458" y="1615736"/>
+                </a:lnTo>
+              </a:path>
+            </a:pathLst>
+          </a:custGeom>
+          <a:noFill/>
+          <a:ln w="28575">
+            <a:solidFill>
+              <a:schemeClr val="accent2"/>
+            </a:solidFill>
+            <a:headEnd type="none" w="med" len="med"/>
+            <a:tailEnd type="triangle" w="med" len="med"/>
+          </a:ln>
+        </p:spPr>
+        <p:style>
+          <a:lnRef idx="2">
+            <a:schemeClr val="accent1">
+              <a:shade val="50000"/>
+            </a:schemeClr>
+          </a:lnRef>
+          <a:fillRef idx="1">
+            <a:schemeClr val="accent1"/>
+          </a:fillRef>
+          <a:effectRef idx="0">
+            <a:schemeClr val="accent1"/>
+          </a:effectRef>
+          <a:fontRef idx="minor">
+            <a:schemeClr val="lt1"/>
+          </a:fontRef>
+        </p:style>
+        <p:txBody>
+          <a:bodyPr rtlCol="0" anchor="ctr"/>
+          <a:lstStyle/>
+          <a:p>
+            <a:pPr algn="ctr"/>
+            <a:endParaRPr lang="en-US">
+              <a:solidFill>
+                <a:schemeClr val="accent2"/>
+              </a:solidFill>
+            </a:endParaRPr>
+          </a:p>
+        </p:txBody>
+      </p:sp>
+      <p:sp>
+        <p:nvSpPr>
+          <p:cNvPr id="146" name="TextBox 145"/>
+          <p:cNvSpPr txBox="1"/>
+          <p:nvPr/>
+        </p:nvSpPr>
+        <p:spPr>
+          <a:xfrm>
+            <a:off x="4425817" y="4435952"/>
+            <a:ext cx="946808" cy="411257"/>
+          </a:xfrm>
+          <a:prstGeom prst="rect">
+            <a:avLst/>
+          </a:prstGeom>
+          <a:solidFill>
+            <a:schemeClr val="bg1"/>
+          </a:solidFill>
+        </p:spPr>
+        <p:txBody>
+          <a:bodyPr wrap="square" tIns="36000" bIns="36000" rtlCol="0">
+            <a:spAutoFit/>
+          </a:bodyPr>
+          <a:lstStyle/>
+          <a:p>
+            <a:pPr algn="ctr" defTabSz="685783">
+              <a:buClrTx/>
+            </a:pPr>
+            <a:r>
+              <a:rPr lang="en-US" sz="2200" dirty="0">
+                <a:solidFill>
+                  <a:schemeClr val="tx1">
+                    <a:lumMod val="75000"/>
+                  </a:schemeClr>
+                </a:solidFill>
+                <a:latin typeface="Source Sans Pro Light" charset="0"/>
+                <a:ea typeface="Source Sans Pro Light" charset="0"/>
+                <a:cs typeface="Source Sans Pro Light" charset="0"/>
+              </a:rPr>
+              <a:t>Target</a:t>
+            </a:r>
+          </a:p>
+        </p:txBody>
+      </p:sp>
+      <p:pic>
+        <p:nvPicPr>
+          <p:cNvPr id="148" name="Picture 147"/>
+          <p:cNvPicPr>
+            <a:picLocks noChangeAspect="1"/>
+          </p:cNvPicPr>
+          <p:nvPr/>
+        </p:nvPicPr>
+        <p:blipFill>
+          <a:blip r:embed="rId5" cstate="print">
+            <a:extLst>
+              <a:ext uri="{28A0092B-C50C-407E-A947-70E740481C1C}">
+                <a14:useLocalDpi xmlns:a14="http://schemas.microsoft.com/office/drawing/2010/main" val="0"/>
+              </a:ext>
+            </a:extLst>
+          </a:blip>
+          <a:stretch>
+            <a:fillRect/>
+          </a:stretch>
+        </p:blipFill>
+        <p:spPr>
+          <a:xfrm>
+            <a:off x="4613175" y="4678464"/>
+            <a:ext cx="2361996" cy="1287288"/>
+          </a:xfrm>
+          <a:prstGeom prst="rect">
+            <a:avLst/>
+          </a:prstGeom>
+        </p:spPr>
+      </p:pic>
+      <p:grpSp>
+        <p:nvGrpSpPr>
+          <p:cNvPr id="151" name="Group 150"/>
+          <p:cNvGrpSpPr/>
+          <p:nvPr/>
+        </p:nvGrpSpPr>
+        <p:grpSpPr>
+          <a:xfrm>
+            <a:off x="10859047" y="2807666"/>
+            <a:ext cx="760258" cy="1309785"/>
+            <a:chOff x="1127448" y="1430523"/>
+            <a:chExt cx="760258" cy="1728014"/>
+          </a:xfrm>
+        </p:grpSpPr>
         <p:sp>
           <p:nvSpPr>
-            <p:cNvPr id="129" name="TextBox 37"/>
+            <p:cNvPr id="152" name="TextBox 37"/>
             <p:cNvSpPr txBox="1"/>
             <p:nvPr/>
           </p:nvSpPr>
           <p:spPr>
             <a:xfrm>
-              <a:off x="1150581" y="3791850"/>
-              <a:ext cx="688009" cy="325602"/>
+              <a:off x="1199697" y="1430523"/>
+              <a:ext cx="688009" cy="369332"/>
             </a:xfrm>
             <a:prstGeom prst="rect">
               <a:avLst/>
@@ -5791,445 +5725,7 @@
             </a:bodyPr>
             <a:lstStyle/>
             <a:p>
-              <a:pPr algn="ctr">
-                <a:lnSpc>
-                  <a:spcPts val="1800"/>
-                </a:lnSpc>
-                <a:spcBef>
-                  <a:spcPts val="600"/>
-                </a:spcBef>
-                <a:spcAft>
-                  <a:spcPts val="600"/>
-                </a:spcAft>
-              </a:pPr>
-              <a:r>
-                <a:rPr lang="en-US" dirty="0" smtClean="0">
-                  <a:solidFill>
-                    <a:schemeClr val="accent2"/>
-                  </a:solidFill>
-                  <a:latin typeface="Source Sans Pro" charset="0"/>
-                  <a:ea typeface="Source Sans Pro" charset="0"/>
-                  <a:cs typeface="Source Sans Pro" charset="0"/>
-                </a:rPr>
-                <a:t>Build</a:t>
-              </a:r>
-              <a:endParaRPr lang="en-US" dirty="0">
-                <a:solidFill>
-                  <a:schemeClr val="accent2"/>
-                </a:solidFill>
-                <a:latin typeface="Source Sans Pro" charset="0"/>
-                <a:ea typeface="Source Sans Pro" charset="0"/>
-                <a:cs typeface="Source Sans Pro" charset="0"/>
-              </a:endParaRPr>
-            </a:p>
-          </p:txBody>
-        </p:sp>
-        <p:sp>
-          <p:nvSpPr>
-            <p:cNvPr id="131" name="TextBox 37"/>
-            <p:cNvSpPr txBox="1"/>
-            <p:nvPr/>
-          </p:nvSpPr>
-          <p:spPr>
-            <a:xfrm>
-              <a:off x="1150581" y="5301413"/>
-              <a:ext cx="688009" cy="325602"/>
-            </a:xfrm>
-            <a:prstGeom prst="rect">
-              <a:avLst/>
-            </a:prstGeom>
-            <a:noFill/>
-          </p:spPr>
-          <p:txBody>
-            <a:bodyPr wrap="none" rtlCol="0">
-              <a:spAutoFit/>
-            </a:bodyPr>
-            <a:lstStyle/>
-            <a:p>
-              <a:pPr algn="ctr">
-                <a:lnSpc>
-                  <a:spcPts val="1800"/>
-                </a:lnSpc>
-                <a:spcBef>
-                  <a:spcPts val="600"/>
-                </a:spcBef>
-                <a:spcAft>
-                  <a:spcPts val="600"/>
-                </a:spcAft>
-              </a:pPr>
-              <a:r>
-                <a:rPr lang="en-US" dirty="0" smtClean="0">
-                  <a:solidFill>
-                    <a:schemeClr val="accent2"/>
-                  </a:solidFill>
-                  <a:latin typeface="Source Sans Pro" charset="0"/>
-                  <a:ea typeface="Source Sans Pro" charset="0"/>
-                  <a:cs typeface="Source Sans Pro" charset="0"/>
-                </a:rPr>
-                <a:t>Build</a:t>
-              </a:r>
-              <a:endParaRPr lang="en-US" dirty="0">
-                <a:solidFill>
-                  <a:schemeClr val="accent2"/>
-                </a:solidFill>
-                <a:latin typeface="Source Sans Pro" charset="0"/>
-                <a:ea typeface="Source Sans Pro" charset="0"/>
-                <a:cs typeface="Source Sans Pro" charset="0"/>
-              </a:endParaRPr>
-            </a:p>
-          </p:txBody>
-        </p:sp>
-        <p:sp>
-          <p:nvSpPr>
-            <p:cNvPr id="134" name="TextBox 37"/>
-            <p:cNvSpPr txBox="1"/>
-            <p:nvPr/>
-          </p:nvSpPr>
-          <p:spPr>
-            <a:xfrm>
-              <a:off x="8198119" y="2789334"/>
-              <a:ext cx="846707" cy="369332"/>
-            </a:xfrm>
-            <a:prstGeom prst="rect">
-              <a:avLst/>
-            </a:prstGeom>
-            <a:noFill/>
-          </p:spPr>
-          <p:txBody>
-            <a:bodyPr wrap="none" rtlCol="0">
-              <a:spAutoFit/>
-            </a:bodyPr>
-            <a:lstStyle/>
-            <a:p>
-              <a:r>
-                <a:rPr lang="en-US" dirty="0" smtClean="0">
-                  <a:solidFill>
-                    <a:schemeClr val="accent2"/>
-                  </a:solidFill>
-                  <a:latin typeface="Source Sans Pro" charset="0"/>
-                  <a:ea typeface="Source Sans Pro" charset="0"/>
-                  <a:cs typeface="Source Sans Pro" charset="0"/>
-                </a:rPr>
-                <a:t>Import</a:t>
-              </a:r>
-              <a:endParaRPr lang="en-US" dirty="0">
-                <a:solidFill>
-                  <a:schemeClr val="accent2"/>
-                </a:solidFill>
-                <a:latin typeface="Source Sans Pro" charset="0"/>
-                <a:ea typeface="Source Sans Pro" charset="0"/>
-                <a:cs typeface="Source Sans Pro" charset="0"/>
-              </a:endParaRPr>
-            </a:p>
-          </p:txBody>
-        </p:sp>
-        <p:sp>
-          <p:nvSpPr>
-            <p:cNvPr id="137" name="Freeform 136"/>
-            <p:cNvSpPr/>
-            <p:nvPr/>
-          </p:nvSpPr>
-          <p:spPr>
-            <a:xfrm rot="16200000">
-              <a:off x="7161395" y="2743198"/>
-              <a:ext cx="865856" cy="1035802"/>
-            </a:xfrm>
-            <a:custGeom>
-              <a:avLst/>
-              <a:gdLst>
-                <a:gd name="connsiteX0" fmla="*/ 0 w 701336"/>
-                <a:gd name="connsiteY0" fmla="*/ 0 h 1615736"/>
-                <a:gd name="connsiteX1" fmla="*/ 0 w 701336"/>
-                <a:gd name="connsiteY1" fmla="*/ 1615736 h 1615736"/>
-                <a:gd name="connsiteX2" fmla="*/ 701336 w 701336"/>
-                <a:gd name="connsiteY2" fmla="*/ 1615736 h 1615736"/>
-                <a:gd name="connsiteX3" fmla="*/ 692458 w 701336"/>
-                <a:gd name="connsiteY3" fmla="*/ 1615736 h 1615736"/>
-              </a:gdLst>
-              <a:ahLst/>
-              <a:cxnLst>
-                <a:cxn ang="0">
-                  <a:pos x="connsiteX0" y="connsiteY0"/>
-                </a:cxn>
-                <a:cxn ang="0">
-                  <a:pos x="connsiteX1" y="connsiteY1"/>
-                </a:cxn>
-                <a:cxn ang="0">
-                  <a:pos x="connsiteX2" y="connsiteY2"/>
-                </a:cxn>
-                <a:cxn ang="0">
-                  <a:pos x="connsiteX3" y="connsiteY3"/>
-                </a:cxn>
-              </a:cxnLst>
-              <a:rect l="l" t="t" r="r" b="b"/>
-              <a:pathLst>
-                <a:path w="701336" h="1615736">
-                  <a:moveTo>
-                    <a:pt x="0" y="0"/>
-                  </a:moveTo>
-                  <a:lnTo>
-                    <a:pt x="0" y="1615736"/>
-                  </a:lnTo>
-                  <a:lnTo>
-                    <a:pt x="701336" y="1615736"/>
-                  </a:lnTo>
-                  <a:lnTo>
-                    <a:pt x="692458" y="1615736"/>
-                  </a:lnTo>
-                </a:path>
-              </a:pathLst>
-            </a:custGeom>
-            <a:noFill/>
-            <a:ln w="28575">
-              <a:solidFill>
-                <a:schemeClr val="accent2"/>
-              </a:solidFill>
-              <a:headEnd type="none" w="med" len="med"/>
-              <a:tailEnd type="triangle" w="med" len="med"/>
-            </a:ln>
-          </p:spPr>
-          <p:style>
-            <a:lnRef idx="2">
-              <a:schemeClr val="accent1">
-                <a:shade val="50000"/>
-              </a:schemeClr>
-            </a:lnRef>
-            <a:fillRef idx="1">
-              <a:schemeClr val="accent1"/>
-            </a:fillRef>
-            <a:effectRef idx="0">
-              <a:schemeClr val="accent1"/>
-            </a:effectRef>
-            <a:fontRef idx="minor">
-              <a:schemeClr val="lt1"/>
-            </a:fontRef>
-          </p:style>
-          <p:txBody>
-            <a:bodyPr rtlCol="0" anchor="ctr"/>
-            <a:lstStyle/>
-            <a:p>
               <a:pPr algn="ctr"/>
-              <a:endParaRPr lang="en-US">
-                <a:solidFill>
-                  <a:schemeClr val="accent2"/>
-                </a:solidFill>
-              </a:endParaRPr>
-            </a:p>
-          </p:txBody>
-        </p:sp>
-        <p:sp>
-          <p:nvSpPr>
-            <p:cNvPr id="146" name="TextBox 145"/>
-            <p:cNvSpPr txBox="1"/>
-            <p:nvPr/>
-          </p:nvSpPr>
-          <p:spPr>
-            <a:xfrm>
-              <a:off x="4425817" y="4435952"/>
-              <a:ext cx="946808" cy="411257"/>
-            </a:xfrm>
-            <a:prstGeom prst="rect">
-              <a:avLst/>
-            </a:prstGeom>
-            <a:solidFill>
-              <a:schemeClr val="bg1"/>
-            </a:solidFill>
-          </p:spPr>
-          <p:txBody>
-            <a:bodyPr wrap="square" tIns="36000" bIns="36000" rtlCol="0">
-              <a:spAutoFit/>
-            </a:bodyPr>
-            <a:lstStyle/>
-            <a:p>
-              <a:pPr algn="ctr" defTabSz="685783">
-                <a:buClrTx/>
-              </a:pPr>
-              <a:r>
-                <a:rPr lang="en-US" sz="2200" dirty="0" smtClean="0">
-                  <a:solidFill>
-                    <a:schemeClr val="tx1">
-                      <a:lumMod val="75000"/>
-                    </a:schemeClr>
-                  </a:solidFill>
-                  <a:latin typeface="Source Sans Pro Light" charset="0"/>
-                  <a:ea typeface="Source Sans Pro Light" charset="0"/>
-                  <a:cs typeface="Source Sans Pro Light" charset="0"/>
-                </a:rPr>
-                <a:t>Target</a:t>
-              </a:r>
-              <a:endParaRPr lang="en-US" sz="2200" dirty="0">
-                <a:solidFill>
-                  <a:schemeClr val="tx1">
-                    <a:lumMod val="75000"/>
-                  </a:schemeClr>
-                </a:solidFill>
-                <a:latin typeface="Source Sans Pro Light" charset="0"/>
-                <a:ea typeface="Source Sans Pro Light" charset="0"/>
-                <a:cs typeface="Source Sans Pro Light" charset="0"/>
-              </a:endParaRPr>
-            </a:p>
-          </p:txBody>
-        </p:sp>
-        <p:pic>
-          <p:nvPicPr>
-            <p:cNvPr id="148" name="Picture 147"/>
-            <p:cNvPicPr>
-              <a:picLocks noChangeAspect="1"/>
-            </p:cNvPicPr>
-            <p:nvPr/>
-          </p:nvPicPr>
-          <p:blipFill>
-            <a:blip r:embed="rId7" cstate="print">
-              <a:extLst>
-                <a:ext uri="{28A0092B-C50C-407E-A947-70E740481C1C}">
-                  <a14:useLocalDpi xmlns:a14="http://schemas.microsoft.com/office/drawing/2010/main" val="0"/>
-                </a:ext>
-              </a:extLst>
-            </a:blip>
-            <a:stretch>
-              <a:fillRect/>
-            </a:stretch>
-          </p:blipFill>
-          <p:spPr>
-            <a:xfrm>
-              <a:off x="4613175" y="4678464"/>
-              <a:ext cx="2361996" cy="1287288"/>
-            </a:xfrm>
-            <a:prstGeom prst="rect">
-              <a:avLst/>
-            </a:prstGeom>
-          </p:spPr>
-        </p:pic>
-        <p:grpSp>
-          <p:nvGrpSpPr>
-            <p:cNvPr id="151" name="Group 150"/>
-            <p:cNvGrpSpPr/>
-            <p:nvPr/>
-          </p:nvGrpSpPr>
-          <p:grpSpPr>
-            <a:xfrm>
-              <a:off x="10859047" y="2807666"/>
-              <a:ext cx="760258" cy="1309785"/>
-              <a:chOff x="1127448" y="1430523"/>
-              <a:chExt cx="760258" cy="1728014"/>
-            </a:xfrm>
-          </p:grpSpPr>
-          <p:sp>
-            <p:nvSpPr>
-              <p:cNvPr id="152" name="TextBox 37"/>
-              <p:cNvSpPr txBox="1"/>
-              <p:nvPr/>
-            </p:nvSpPr>
-            <p:spPr>
-              <a:xfrm>
-                <a:off x="1199697" y="1430523"/>
-                <a:ext cx="688009" cy="369332"/>
-              </a:xfrm>
-              <a:prstGeom prst="rect">
-                <a:avLst/>
-              </a:prstGeom>
-              <a:noFill/>
-            </p:spPr>
-            <p:txBody>
-              <a:bodyPr wrap="none" rtlCol="0">
-                <a:spAutoFit/>
-              </a:bodyPr>
-              <a:lstStyle/>
-              <a:p>
-                <a:pPr algn="ctr"/>
-                <a:r>
-                  <a:rPr lang="en-US" dirty="0" smtClean="0">
-                    <a:solidFill>
-                      <a:schemeClr val="accent1"/>
-                    </a:solidFill>
-                    <a:latin typeface="Source Sans Pro" charset="0"/>
-                    <a:ea typeface="Source Sans Pro" charset="0"/>
-                    <a:cs typeface="Source Sans Pro" charset="0"/>
-                  </a:rPr>
-                  <a:t>Build</a:t>
-                </a:r>
-                <a:endParaRPr lang="en-US" dirty="0">
-                  <a:solidFill>
-                    <a:schemeClr val="accent1"/>
-                  </a:solidFill>
-                  <a:latin typeface="Source Sans Pro" charset="0"/>
-                  <a:ea typeface="Source Sans Pro" charset="0"/>
-                  <a:cs typeface="Source Sans Pro" charset="0"/>
-                </a:endParaRPr>
-              </a:p>
-            </p:txBody>
-          </p:sp>
-          <p:cxnSp>
-            <p:nvCxnSpPr>
-              <p:cNvPr id="153" name="Straight Arrow Connector 152"/>
-              <p:cNvCxnSpPr/>
-              <p:nvPr/>
-            </p:nvCxnSpPr>
-            <p:spPr>
-              <a:xfrm>
-                <a:off x="1127448" y="1457574"/>
-                <a:ext cx="0" cy="1700963"/>
-              </a:xfrm>
-              <a:prstGeom prst="straightConnector1">
-                <a:avLst/>
-              </a:prstGeom>
-              <a:ln w="28575">
-                <a:solidFill>
-                  <a:schemeClr val="accent1"/>
-                </a:solidFill>
-                <a:headEnd type="none" w="med" len="med"/>
-                <a:tailEnd type="triangle" w="med" len="med"/>
-              </a:ln>
-            </p:spPr>
-            <p:style>
-              <a:lnRef idx="1">
-                <a:schemeClr val="accent1"/>
-              </a:lnRef>
-              <a:fillRef idx="0">
-                <a:schemeClr val="accent1"/>
-              </a:fillRef>
-              <a:effectRef idx="0">
-                <a:schemeClr val="accent1"/>
-              </a:effectRef>
-              <a:fontRef idx="minor">
-                <a:schemeClr val="tx1"/>
-              </a:fontRef>
-            </p:style>
-          </p:cxnSp>
-        </p:grpSp>
-        <p:sp>
-          <p:nvSpPr>
-            <p:cNvPr id="161" name="TextBox 37"/>
-            <p:cNvSpPr txBox="1"/>
-            <p:nvPr/>
-          </p:nvSpPr>
-          <p:spPr>
-            <a:xfrm>
-              <a:off x="8518555" y="4446198"/>
-              <a:ext cx="1648416" cy="325602"/>
-            </a:xfrm>
-            <a:prstGeom prst="rect">
-              <a:avLst/>
-            </a:prstGeom>
-            <a:noFill/>
-          </p:spPr>
-          <p:txBody>
-            <a:bodyPr wrap="square" rtlCol="0">
-              <a:spAutoFit/>
-            </a:bodyPr>
-            <a:lstStyle/>
-            <a:p>
-              <a:pPr algn="ctr">
-                <a:lnSpc>
-                  <a:spcPts val="1800"/>
-                </a:lnSpc>
-                <a:spcBef>
-                  <a:spcPts val="600"/>
-                </a:spcBef>
-                <a:spcAft>
-                  <a:spcPts val="600"/>
-                </a:spcAft>
-              </a:pPr>
               <a:r>
                 <a:rPr lang="en-US" dirty="0">
                   <a:solidFill>
@@ -6239,40 +5735,21 @@
                   <a:ea typeface="Source Sans Pro" charset="0"/>
                   <a:cs typeface="Source Sans Pro" charset="0"/>
                 </a:rPr>
-                <a:t>Local </a:t>
+                <a:t>Build</a:t>
               </a:r>
-              <a:r>
-                <a:rPr lang="en-US" dirty="0" smtClean="0">
-                  <a:solidFill>
-                    <a:schemeClr val="accent1"/>
-                  </a:solidFill>
-                  <a:latin typeface="Source Sans Pro" charset="0"/>
-                  <a:ea typeface="Source Sans Pro" charset="0"/>
-                  <a:cs typeface="Source Sans Pro" charset="0"/>
-                </a:rPr>
-                <a:t>Deploy</a:t>
-              </a:r>
-              <a:endParaRPr lang="en-US" dirty="0">
-                <a:solidFill>
-                  <a:schemeClr val="accent1"/>
-                </a:solidFill>
-                <a:latin typeface="Source Sans Pro" charset="0"/>
-                <a:ea typeface="Source Sans Pro" charset="0"/>
-                <a:cs typeface="Source Sans Pro" charset="0"/>
-              </a:endParaRPr>
             </a:p>
           </p:txBody>
         </p:sp>
         <p:cxnSp>
           <p:nvCxnSpPr>
-            <p:cNvPr id="162" name="Straight Arrow Connector 161"/>
+            <p:cNvPr id="153" name="Straight Arrow Connector 152"/>
             <p:cNvCxnSpPr/>
             <p:nvPr/>
           </p:nvCxnSpPr>
           <p:spPr>
-            <a:xfrm flipH="1">
-              <a:off x="7070103" y="4822880"/>
-              <a:ext cx="2850396" cy="0"/>
+            <a:xfrm>
+              <a:off x="1127448" y="1457574"/>
+              <a:ext cx="0" cy="1700963"/>
             </a:xfrm>
             <a:prstGeom prst="straightConnector1">
               <a:avLst/>
@@ -6300,301 +5777,144 @@
             </a:fontRef>
           </p:style>
         </p:cxnSp>
-        <p:grpSp>
-          <p:nvGrpSpPr>
-            <p:cNvPr id="33" name="Group 32"/>
-            <p:cNvGrpSpPr/>
+      </p:grpSp>
+      <p:sp>
+        <p:nvSpPr>
+          <p:cNvPr id="161" name="TextBox 37"/>
+          <p:cNvSpPr txBox="1"/>
+          <p:nvPr/>
+        </p:nvSpPr>
+        <p:spPr>
+          <a:xfrm>
+            <a:off x="8518555" y="4446198"/>
+            <a:ext cx="1648416" cy="325602"/>
+          </a:xfrm>
+          <a:prstGeom prst="rect">
+            <a:avLst/>
+          </a:prstGeom>
+          <a:noFill/>
+        </p:spPr>
+        <p:txBody>
+          <a:bodyPr wrap="square" rtlCol="0">
+            <a:spAutoFit/>
+          </a:bodyPr>
+          <a:lstStyle/>
+          <a:p>
+            <a:pPr algn="ctr">
+              <a:lnSpc>
+                <a:spcPts val="1800"/>
+              </a:lnSpc>
+              <a:spcBef>
+                <a:spcPts val="600"/>
+              </a:spcBef>
+              <a:spcAft>
+                <a:spcPts val="600"/>
+              </a:spcAft>
+            </a:pPr>
+            <a:r>
+              <a:rPr lang="en-US" dirty="0">
+                <a:solidFill>
+                  <a:schemeClr val="accent1"/>
+                </a:solidFill>
+                <a:latin typeface="Source Sans Pro" charset="0"/>
+                <a:ea typeface="Source Sans Pro" charset="0"/>
+                <a:cs typeface="Source Sans Pro" charset="0"/>
+              </a:rPr>
+              <a:t>Local Deploy</a:t>
+            </a:r>
+          </a:p>
+        </p:txBody>
+      </p:sp>
+      <p:cxnSp>
+        <p:nvCxnSpPr>
+          <p:cNvPr id="162" name="Straight Arrow Connector 161"/>
+          <p:cNvCxnSpPr/>
+          <p:nvPr/>
+        </p:nvCxnSpPr>
+        <p:spPr>
+          <a:xfrm flipH="1">
+            <a:off x="7070103" y="4822880"/>
+            <a:ext cx="2850396" cy="0"/>
+          </a:xfrm>
+          <a:prstGeom prst="straightConnector1">
+            <a:avLst/>
+          </a:prstGeom>
+          <a:ln w="28575">
+            <a:solidFill>
+              <a:schemeClr val="accent1"/>
+            </a:solidFill>
+            <a:headEnd type="none" w="med" len="med"/>
+            <a:tailEnd type="triangle" w="med" len="med"/>
+          </a:ln>
+        </p:spPr>
+        <p:style>
+          <a:lnRef idx="1">
+            <a:schemeClr val="accent1"/>
+          </a:lnRef>
+          <a:fillRef idx="0">
+            <a:schemeClr val="accent1"/>
+          </a:fillRef>
+          <a:effectRef idx="0">
+            <a:schemeClr val="accent1"/>
+          </a:effectRef>
+          <a:fontRef idx="minor">
+            <a:schemeClr val="tx1"/>
+          </a:fontRef>
+        </p:style>
+      </p:cxnSp>
+      <p:grpSp>
+        <p:nvGrpSpPr>
+          <p:cNvPr id="33" name="Group 32"/>
+          <p:cNvGrpSpPr/>
+          <p:nvPr/>
+        </p:nvGrpSpPr>
+        <p:grpSpPr>
+          <a:xfrm>
+            <a:off x="551384" y="885004"/>
+            <a:ext cx="1319401" cy="1751908"/>
+            <a:chOff x="4466835" y="600744"/>
+            <a:chExt cx="1319401" cy="1751908"/>
+          </a:xfrm>
+        </p:grpSpPr>
+        <p:pic>
+          <p:nvPicPr>
+            <p:cNvPr id="79" name="Picture 78"/>
+            <p:cNvPicPr>
+              <a:picLocks noChangeAspect="1"/>
+            </p:cNvPicPr>
             <p:nvPr/>
-          </p:nvGrpSpPr>
-          <p:grpSpPr>
-            <a:xfrm>
-              <a:off x="1637775" y="885004"/>
-              <a:ext cx="1319401" cy="1751908"/>
-              <a:chOff x="4466835" y="600744"/>
-              <a:chExt cx="1319401" cy="1751908"/>
-            </a:xfrm>
-          </p:grpSpPr>
-          <p:pic>
-            <p:nvPicPr>
-              <p:cNvPr id="79" name="Picture 78"/>
-              <p:cNvPicPr>
-                <a:picLocks noChangeAspect="1"/>
-              </p:cNvPicPr>
-              <p:nvPr/>
-            </p:nvPicPr>
-            <p:blipFill rotWithShape="1">
-              <a:blip r:embed="rId2" cstate="print">
-                <a:extLst>
-                  <a:ext uri="{28A0092B-C50C-407E-A947-70E740481C1C}">
-                    <a14:useLocalDpi xmlns:a14="http://schemas.microsoft.com/office/drawing/2010/main" val="0"/>
-                  </a:ext>
-                </a:extLst>
-              </a:blip>
-              <a:srcRect l="18934" r="18934"/>
-              <a:stretch/>
-            </p:blipFill>
-            <p:spPr>
-              <a:xfrm>
-                <a:off x="4466835" y="600744"/>
-                <a:ext cx="1319401" cy="1751908"/>
-              </a:xfrm>
-              <a:prstGeom prst="rect">
-                <a:avLst/>
-              </a:prstGeom>
-            </p:spPr>
-          </p:pic>
-          <p:pic>
-            <p:nvPicPr>
-              <p:cNvPr id="32" name="Picture 31"/>
-              <p:cNvPicPr>
-                <a:picLocks noChangeAspect="1"/>
-              </p:cNvPicPr>
-              <p:nvPr/>
-            </p:nvPicPr>
-            <p:blipFill>
-              <a:blip r:embed="rId8" cstate="print">
-                <a:extLst>
-                  <a:ext uri="{28A0092B-C50C-407E-A947-70E740481C1C}">
-                    <a14:useLocalDpi xmlns:a14="http://schemas.microsoft.com/office/drawing/2010/main" val="0"/>
-                  </a:ext>
-                </a:extLst>
-              </a:blip>
-              <a:stretch>
-                <a:fillRect/>
-              </a:stretch>
-            </p:blipFill>
-            <p:spPr>
-              <a:xfrm>
-                <a:off x="4975216" y="1052736"/>
-                <a:ext cx="680762" cy="256945"/>
-              </a:xfrm>
-              <a:prstGeom prst="rect">
-                <a:avLst/>
-              </a:prstGeom>
-              <a:scene3d>
-                <a:camera prst="isometricLeftDown"/>
-                <a:lightRig rig="threePt" dir="t"/>
-              </a:scene3d>
-            </p:spPr>
-          </p:pic>
-        </p:grpSp>
-        <p:sp>
-          <p:nvSpPr>
-            <p:cNvPr id="176" name="Rounded Rectangle 62">
+          </p:nvPicPr>
+          <p:blipFill rotWithShape="1">
+            <a:blip r:embed="rId6" cstate="print">
               <a:extLst>
-                <a:ext uri="{FF2B5EF4-FFF2-40B4-BE49-F238E27FC236}">
-                  <a16:creationId xmlns:a16="http://schemas.microsoft.com/office/drawing/2014/main" xmlns="" id="{FFBC32F8-7FE7-4F44-AAED-4DC038ED8849}"/>
+                <a:ext uri="{28A0092B-C50C-407E-A947-70E740481C1C}">
+                  <a14:useLocalDpi xmlns:a14="http://schemas.microsoft.com/office/drawing/2010/main" val="0"/>
                 </a:ext>
               </a:extLst>
-            </p:cNvPr>
-            <p:cNvSpPr/>
-            <p:nvPr/>
-          </p:nvSpPr>
+            </a:blip>
+            <a:srcRect l="18934" r="18934"/>
+            <a:stretch/>
+          </p:blipFill>
           <p:spPr>
             <a:xfrm>
-              <a:off x="8906997" y="1071690"/>
-              <a:ext cx="1062538" cy="1015658"/>
-            </a:xfrm>
-            <a:prstGeom prst="roundRect">
-              <a:avLst>
-                <a:gd name="adj" fmla="val 5059"/>
-              </a:avLst>
-            </a:prstGeom>
-            <a:solidFill>
-              <a:schemeClr val="bg1"/>
-            </a:solidFill>
-            <a:ln w="19050">
-              <a:solidFill>
-                <a:schemeClr val="bg2"/>
-              </a:solidFill>
-            </a:ln>
-          </p:spPr>
-          <p:style>
-            <a:lnRef idx="2">
-              <a:schemeClr val="accent1">
-                <a:shade val="50000"/>
-              </a:schemeClr>
-            </a:lnRef>
-            <a:fillRef idx="1">
-              <a:schemeClr val="accent1"/>
-            </a:fillRef>
-            <a:effectRef idx="0">
-              <a:schemeClr val="accent1"/>
-            </a:effectRef>
-            <a:fontRef idx="minor">
-              <a:schemeClr val="lt1"/>
-            </a:fontRef>
-          </p:style>
-          <p:txBody>
-            <a:bodyPr wrap="square" lIns="0" tIns="0" rIns="0" bIns="0" rtlCol="0" anchor="ctr"/>
-            <a:lstStyle/>
-            <a:p>
-              <a:pPr algn="ctr"/>
-              <a:endParaRPr lang="en-US" sz="1400" dirty="0">
-                <a:solidFill>
-                  <a:schemeClr val="bg1">
-                    <a:lumMod val="95000"/>
-                  </a:schemeClr>
-                </a:solidFill>
-              </a:endParaRPr>
-            </a:p>
-          </p:txBody>
-        </p:sp>
-        <p:sp>
-          <p:nvSpPr>
-            <p:cNvPr id="180" name="Rounded Rectangle 62">
-              <a:extLst>
-                <a:ext uri="{FF2B5EF4-FFF2-40B4-BE49-F238E27FC236}">
-                  <a16:creationId xmlns:a16="http://schemas.microsoft.com/office/drawing/2014/main" xmlns="" id="{FFBC32F8-7FE7-4F44-AAED-4DC038ED8849}"/>
-                </a:ext>
-              </a:extLst>
-            </p:cNvPr>
-            <p:cNvSpPr/>
-            <p:nvPr/>
-          </p:nvSpPr>
-          <p:spPr>
-            <a:xfrm>
-              <a:off x="10106880" y="1072606"/>
-              <a:ext cx="1062538" cy="1015658"/>
-            </a:xfrm>
-            <a:prstGeom prst="roundRect">
-              <a:avLst>
-                <a:gd name="adj" fmla="val 5059"/>
-              </a:avLst>
-            </a:prstGeom>
-            <a:solidFill>
-              <a:schemeClr val="bg1"/>
-            </a:solidFill>
-            <a:ln w="19050">
-              <a:solidFill>
-                <a:schemeClr val="bg2"/>
-              </a:solidFill>
-            </a:ln>
-          </p:spPr>
-          <p:style>
-            <a:lnRef idx="2">
-              <a:schemeClr val="accent1">
-                <a:shade val="50000"/>
-              </a:schemeClr>
-            </a:lnRef>
-            <a:fillRef idx="1">
-              <a:schemeClr val="accent1"/>
-            </a:fillRef>
-            <a:effectRef idx="0">
-              <a:schemeClr val="accent1"/>
-            </a:effectRef>
-            <a:fontRef idx="minor">
-              <a:schemeClr val="lt1"/>
-            </a:fontRef>
-          </p:style>
-          <p:txBody>
-            <a:bodyPr wrap="square" lIns="0" tIns="0" rIns="0" bIns="0" rtlCol="0" anchor="ctr"/>
-            <a:lstStyle/>
-            <a:p>
-              <a:pPr algn="ctr"/>
-              <a:endParaRPr lang="en-US" sz="1400" dirty="0">
-                <a:solidFill>
-                  <a:schemeClr val="bg1">
-                    <a:lumMod val="95000"/>
-                  </a:schemeClr>
-                </a:solidFill>
-              </a:endParaRPr>
-            </a:p>
-          </p:txBody>
-        </p:sp>
-        <p:sp>
-          <p:nvSpPr>
-            <p:cNvPr id="181" name="TextBox 180"/>
-            <p:cNvSpPr txBox="1"/>
-            <p:nvPr/>
-          </p:nvSpPr>
-          <p:spPr>
-            <a:xfrm>
-              <a:off x="8866571" y="1308789"/>
-              <a:ext cx="1164700" cy="584775"/>
+              <a:off x="4466835" y="600744"/>
+              <a:ext cx="1319401" cy="1751908"/>
             </a:xfrm>
             <a:prstGeom prst="rect">
               <a:avLst/>
             </a:prstGeom>
-            <a:noFill/>
           </p:spPr>
-          <p:txBody>
-            <a:bodyPr wrap="square" rtlCol="0">
-              <a:spAutoFit/>
-            </a:bodyPr>
-            <a:lstStyle/>
-            <a:p>
-              <a:pPr algn="ctr"/>
-              <a:r>
-                <a:rPr lang="en-US" sz="1600" dirty="0">
-                  <a:latin typeface="Source Sans Pro" charset="0"/>
-                  <a:ea typeface="Source Sans Pro" charset="0"/>
-                  <a:cs typeface="Source Sans Pro" charset="0"/>
-                </a:rPr>
-                <a:t>Application </a:t>
-              </a:r>
-              <a:br>
-                <a:rPr lang="en-US" sz="1600" dirty="0">
-                  <a:latin typeface="Source Sans Pro" charset="0"/>
-                  <a:ea typeface="Source Sans Pro" charset="0"/>
-                  <a:cs typeface="Source Sans Pro" charset="0"/>
-                </a:rPr>
-              </a:br>
-              <a:r>
-                <a:rPr lang="en-US" sz="1600" dirty="0">
-                  <a:latin typeface="Source Sans Pro" charset="0"/>
-                  <a:ea typeface="Source Sans Pro" charset="0"/>
-                  <a:cs typeface="Source Sans Pro" charset="0"/>
-                </a:rPr>
-                <a:t>Sources</a:t>
-              </a:r>
-            </a:p>
-          </p:txBody>
-        </p:sp>
-        <p:sp>
-          <p:nvSpPr>
-            <p:cNvPr id="183" name="TextBox 182"/>
-            <p:cNvSpPr txBox="1"/>
-            <p:nvPr/>
-          </p:nvSpPr>
-          <p:spPr>
-            <a:xfrm>
-              <a:off x="10121019" y="1399687"/>
-              <a:ext cx="1034257" cy="338554"/>
-            </a:xfrm>
-            <a:prstGeom prst="rect">
-              <a:avLst/>
-            </a:prstGeom>
-            <a:noFill/>
-          </p:spPr>
-          <p:txBody>
-            <a:bodyPr wrap="none" rtlCol="0">
-              <a:spAutoFit/>
-            </a:bodyPr>
-            <a:lstStyle/>
-            <a:p>
-              <a:pPr algn="ctr"/>
-              <a:r>
-                <a:rPr lang="en-US" sz="1600" dirty="0">
-                  <a:latin typeface="Source Sans Pro" charset="0"/>
-                  <a:ea typeface="Source Sans Pro" charset="0"/>
-                  <a:cs typeface="Source Sans Pro" charset="0"/>
-                </a:rPr>
-                <a:t>Simulator</a:t>
-              </a:r>
-            </a:p>
-          </p:txBody>
-        </p:sp>
+        </p:pic>
         <p:pic>
           <p:nvPicPr>
-            <p:cNvPr id="186" name="Picture 185"/>
+            <p:cNvPr id="32" name="Picture 31"/>
             <p:cNvPicPr>
               <a:picLocks noChangeAspect="1"/>
             </p:cNvPicPr>
             <p:nvPr/>
           </p:nvPicPr>
           <p:blipFill>
-            <a:blip r:embed="rId9" cstate="print">
+            <a:blip r:embed="rId7" cstate="print">
               <a:extLst>
                 <a:ext uri="{28A0092B-C50C-407E-A947-70E740481C1C}">
                   <a14:useLocalDpi xmlns:a14="http://schemas.microsoft.com/office/drawing/2010/main" val="0"/>
@@ -6607,8 +5927,204 @@
           </p:blipFill>
           <p:spPr>
             <a:xfrm>
-              <a:off x="645068" y="864122"/>
-              <a:ext cx="1242798" cy="1242794"/>
+              <a:off x="4975216" y="1052736"/>
+              <a:ext cx="680762" cy="256945"/>
+            </a:xfrm>
+            <a:prstGeom prst="rect">
+              <a:avLst/>
+            </a:prstGeom>
+            <a:scene3d>
+              <a:camera prst="isometricLeftDown"/>
+              <a:lightRig rig="threePt" dir="t"/>
+            </a:scene3d>
+          </p:spPr>
+        </p:pic>
+      </p:grpSp>
+      <p:pic>
+        <p:nvPicPr>
+          <p:cNvPr id="186" name="Picture 185"/>
+          <p:cNvPicPr>
+            <a:picLocks noChangeAspect="1"/>
+          </p:cNvPicPr>
+          <p:nvPr/>
+        </p:nvPicPr>
+        <p:blipFill>
+          <a:blip r:embed="rId8" cstate="print">
+            <a:extLst>
+              <a:ext uri="{28A0092B-C50C-407E-A947-70E740481C1C}">
+                <a14:useLocalDpi xmlns:a14="http://schemas.microsoft.com/office/drawing/2010/main" val="0"/>
+              </a:ext>
+            </a:extLst>
+          </a:blip>
+          <a:stretch>
+            <a:fillRect/>
+          </a:stretch>
+        </p:blipFill>
+        <p:spPr>
+          <a:xfrm>
+            <a:off x="5379868" y="1030580"/>
+            <a:ext cx="1242798" cy="1242794"/>
+          </a:xfrm>
+          <a:prstGeom prst="rect">
+            <a:avLst/>
+          </a:prstGeom>
+        </p:spPr>
+      </p:pic>
+      <p:sp>
+        <p:nvSpPr>
+          <p:cNvPr id="65" name="Rounded Rectangle 62">
+            <a:extLst>
+              <a:ext uri="{FF2B5EF4-FFF2-40B4-BE49-F238E27FC236}">
+                <a16:creationId xmlns:a16="http://schemas.microsoft.com/office/drawing/2014/main" id="{5498B47D-4673-4821-8A44-FD61DE0C0A54}"/>
+              </a:ext>
+            </a:extLst>
+          </p:cNvPr>
+          <p:cNvSpPr/>
+          <p:nvPr/>
+        </p:nvSpPr>
+        <p:spPr>
+          <a:xfrm>
+            <a:off x="7860625" y="956563"/>
+            <a:ext cx="3346258" cy="1233206"/>
+          </a:xfrm>
+          <a:prstGeom prst="roundRect">
+            <a:avLst>
+              <a:gd name="adj" fmla="val 10148"/>
+            </a:avLst>
+          </a:prstGeom>
+          <a:solidFill>
+            <a:schemeClr val="bg1">
+              <a:lumMod val="85000"/>
+            </a:schemeClr>
+          </a:solidFill>
+          <a:ln w="19050">
+            <a:noFill/>
+          </a:ln>
+        </p:spPr>
+        <p:style>
+          <a:lnRef idx="2">
+            <a:schemeClr val="accent1">
+              <a:shade val="50000"/>
+            </a:schemeClr>
+          </a:lnRef>
+          <a:fillRef idx="1">
+            <a:schemeClr val="accent1"/>
+          </a:fillRef>
+          <a:effectRef idx="0">
+            <a:schemeClr val="accent1"/>
+          </a:effectRef>
+          <a:fontRef idx="minor">
+            <a:schemeClr val="lt1"/>
+          </a:fontRef>
+        </p:style>
+        <p:txBody>
+          <a:bodyPr wrap="square" lIns="0" tIns="0" rIns="0" bIns="0" rtlCol="0" anchor="ctr"/>
+          <a:lstStyle/>
+          <a:p>
+            <a:pPr algn="ctr"/>
+            <a:endParaRPr lang="en-US" sz="1400" dirty="0">
+              <a:solidFill>
+                <a:schemeClr val="bg1">
+                  <a:lumMod val="95000"/>
+                </a:schemeClr>
+              </a:solidFill>
+            </a:endParaRPr>
+          </a:p>
+        </p:txBody>
+      </p:sp>
+      <p:sp>
+        <p:nvSpPr>
+          <p:cNvPr id="66" name="TextBox 65">
+            <a:extLst>
+              <a:ext uri="{FF2B5EF4-FFF2-40B4-BE49-F238E27FC236}">
+                <a16:creationId xmlns:a16="http://schemas.microsoft.com/office/drawing/2014/main" id="{8DFD6733-8CA8-43B8-9F18-100107C30CB6}"/>
+              </a:ext>
+            </a:extLst>
+          </p:cNvPr>
+          <p:cNvSpPr txBox="1"/>
+          <p:nvPr/>
+        </p:nvSpPr>
+        <p:spPr>
+          <a:xfrm>
+            <a:off x="8832304" y="2189768"/>
+            <a:ext cx="2123805" cy="307777"/>
+          </a:xfrm>
+          <a:prstGeom prst="rect">
+            <a:avLst/>
+          </a:prstGeom>
+          <a:noFill/>
+        </p:spPr>
+        <p:txBody>
+          <a:bodyPr wrap="square" rtlCol="0">
+            <a:spAutoFit/>
+          </a:bodyPr>
+          <a:lstStyle/>
+          <a:p>
+            <a:r>
+              <a:rPr lang="en-US" sz="1400">
+                <a:latin typeface="Source Sans Pro" charset="0"/>
+                <a:ea typeface="Source Sans Pro" charset="0"/>
+                <a:cs typeface="Source Sans Pro" charset="0"/>
+              </a:rPr>
+              <a:t>Application Development</a:t>
+            </a:r>
+            <a:endParaRPr lang="en-US" sz="1400" dirty="0">
+              <a:latin typeface="Source Sans Pro" charset="0"/>
+              <a:ea typeface="Source Sans Pro" charset="0"/>
+              <a:cs typeface="Source Sans Pro" charset="0"/>
+            </a:endParaRPr>
+          </a:p>
+        </p:txBody>
+      </p:sp>
+      <p:grpSp>
+        <p:nvGrpSpPr>
+          <p:cNvPr id="74" name="Group 73">
+            <a:extLst>
+              <a:ext uri="{FF2B5EF4-FFF2-40B4-BE49-F238E27FC236}">
+                <a16:creationId xmlns:a16="http://schemas.microsoft.com/office/drawing/2014/main" id="{7FF33F19-9888-4F66-BE4C-C751E266E174}"/>
+              </a:ext>
+            </a:extLst>
+          </p:cNvPr>
+          <p:cNvGrpSpPr/>
+          <p:nvPr/>
+        </p:nvGrpSpPr>
+        <p:grpSpPr>
+          <a:xfrm>
+            <a:off x="7244065" y="880458"/>
+            <a:ext cx="1319401" cy="1751908"/>
+            <a:chOff x="4466835" y="600744"/>
+            <a:chExt cx="1319401" cy="1751908"/>
+          </a:xfrm>
+        </p:grpSpPr>
+        <p:pic>
+          <p:nvPicPr>
+            <p:cNvPr id="75" name="Picture 74">
+              <a:extLst>
+                <a:ext uri="{FF2B5EF4-FFF2-40B4-BE49-F238E27FC236}">
+                  <a16:creationId xmlns:a16="http://schemas.microsoft.com/office/drawing/2014/main" id="{6224E342-04FB-431E-A3B4-DCF83007F1BE}"/>
+                </a:ext>
+              </a:extLst>
+            </p:cNvPr>
+            <p:cNvPicPr>
+              <a:picLocks noChangeAspect="1"/>
+            </p:cNvPicPr>
+            <p:nvPr/>
+          </p:nvPicPr>
+          <p:blipFill rotWithShape="1">
+            <a:blip r:embed="rId6" cstate="print">
+              <a:extLst>
+                <a:ext uri="{28A0092B-C50C-407E-A947-70E740481C1C}">
+                  <a14:useLocalDpi xmlns:a14="http://schemas.microsoft.com/office/drawing/2010/main" val="0"/>
+                </a:ext>
+              </a:extLst>
+            </a:blip>
+            <a:srcRect l="18934" r="18934"/>
+            <a:stretch/>
+          </p:blipFill>
+          <p:spPr>
+            <a:xfrm>
+              <a:off x="4466835" y="600744"/>
+              <a:ext cx="1319401" cy="1751908"/>
             </a:xfrm>
             <a:prstGeom prst="rect">
               <a:avLst/>
@@ -6617,14 +6133,20 @@
         </p:pic>
         <p:pic>
           <p:nvPicPr>
-            <p:cNvPr id="193" name="Picture 192"/>
+            <p:cNvPr id="76" name="Picture 75">
+              <a:extLst>
+                <a:ext uri="{FF2B5EF4-FFF2-40B4-BE49-F238E27FC236}">
+                  <a16:creationId xmlns:a16="http://schemas.microsoft.com/office/drawing/2014/main" id="{088EF5E7-45E0-4320-A8F8-522AD6D6F2DE}"/>
+                </a:ext>
+              </a:extLst>
+            </p:cNvPr>
             <p:cNvPicPr>
               <a:picLocks noChangeAspect="1"/>
             </p:cNvPicPr>
             <p:nvPr/>
           </p:nvPicPr>
           <p:blipFill>
-            <a:blip r:embed="rId10" cstate="print">
+            <a:blip r:embed="rId7" cstate="print">
               <a:extLst>
                 <a:ext uri="{28A0092B-C50C-407E-A947-70E740481C1C}">
                   <a14:useLocalDpi xmlns:a14="http://schemas.microsoft.com/office/drawing/2010/main" val="0"/>
@@ -6637,15 +6159,266 @@
           </p:blipFill>
           <p:spPr>
             <a:xfrm>
-              <a:off x="6419244" y="845470"/>
-              <a:ext cx="1228825" cy="1228823"/>
+              <a:off x="4975216" y="1052736"/>
+              <a:ext cx="680762" cy="256945"/>
             </a:xfrm>
             <a:prstGeom prst="rect">
               <a:avLst/>
             </a:prstGeom>
+            <a:scene3d>
+              <a:camera prst="isometricLeftDown"/>
+              <a:lightRig rig="threePt" dir="t"/>
+            </a:scene3d>
           </p:spPr>
         </p:pic>
       </p:grpSp>
+      <p:pic>
+        <p:nvPicPr>
+          <p:cNvPr id="81" name="Picture 80">
+            <a:extLst>
+              <a:ext uri="{FF2B5EF4-FFF2-40B4-BE49-F238E27FC236}">
+                <a16:creationId xmlns:a16="http://schemas.microsoft.com/office/drawing/2014/main" id="{632C71C2-A3DC-4674-82E6-F36D22CDF325}"/>
+              </a:ext>
+            </a:extLst>
+          </p:cNvPr>
+          <p:cNvPicPr>
+            <a:picLocks noChangeAspect="1"/>
+          </p:cNvPicPr>
+          <p:nvPr/>
+        </p:nvPicPr>
+        <p:blipFill>
+          <a:blip r:embed="rId9" cstate="print">
+            <a:extLst>
+              <a:ext uri="{28A0092B-C50C-407E-A947-70E740481C1C}">
+                <a14:useLocalDpi xmlns:a14="http://schemas.microsoft.com/office/drawing/2010/main" val="0"/>
+              </a:ext>
+            </a:extLst>
+          </a:blip>
+          <a:stretch>
+            <a:fillRect/>
+          </a:stretch>
+        </p:blipFill>
+        <p:spPr>
+          <a:xfrm rot="14400000">
+            <a:off x="7584566" y="1279387"/>
+            <a:ext cx="947258" cy="516257"/>
+          </a:xfrm>
+          <a:prstGeom prst="rect">
+            <a:avLst/>
+          </a:prstGeom>
+        </p:spPr>
+      </p:pic>
+      <p:sp>
+        <p:nvSpPr>
+          <p:cNvPr id="82" name="Rounded Rectangle 62">
+            <a:extLst>
+              <a:ext uri="{FF2B5EF4-FFF2-40B4-BE49-F238E27FC236}">
+                <a16:creationId xmlns:a16="http://schemas.microsoft.com/office/drawing/2014/main" id="{587678F1-E84F-4B79-9805-1B45E9B0CE6E}"/>
+              </a:ext>
+            </a:extLst>
+          </p:cNvPr>
+          <p:cNvSpPr/>
+          <p:nvPr/>
+        </p:nvSpPr>
+        <p:spPr>
+          <a:xfrm>
+            <a:off x="10012469" y="1070945"/>
+            <a:ext cx="1062538" cy="1015658"/>
+          </a:xfrm>
+          <a:prstGeom prst="roundRect">
+            <a:avLst>
+              <a:gd name="adj" fmla="val 5059"/>
+            </a:avLst>
+          </a:prstGeom>
+          <a:solidFill>
+            <a:schemeClr val="bg1"/>
+          </a:solidFill>
+          <a:ln w="19050">
+            <a:solidFill>
+              <a:schemeClr val="bg2"/>
+            </a:solidFill>
+          </a:ln>
+        </p:spPr>
+        <p:style>
+          <a:lnRef idx="2">
+            <a:schemeClr val="accent1">
+              <a:shade val="50000"/>
+            </a:schemeClr>
+          </a:lnRef>
+          <a:fillRef idx="1">
+            <a:schemeClr val="accent1"/>
+          </a:fillRef>
+          <a:effectRef idx="0">
+            <a:schemeClr val="accent1"/>
+          </a:effectRef>
+          <a:fontRef idx="minor">
+            <a:schemeClr val="lt1"/>
+          </a:fontRef>
+        </p:style>
+        <p:txBody>
+          <a:bodyPr wrap="square" lIns="0" tIns="0" rIns="0" bIns="0" rtlCol="0" anchor="ctr"/>
+          <a:lstStyle/>
+          <a:p>
+            <a:pPr algn="ctr"/>
+            <a:endParaRPr lang="en-US" sz="1400" dirty="0">
+              <a:solidFill>
+                <a:schemeClr val="bg1">
+                  <a:lumMod val="95000"/>
+                </a:schemeClr>
+              </a:solidFill>
+            </a:endParaRPr>
+          </a:p>
+        </p:txBody>
+      </p:sp>
+      <p:sp>
+        <p:nvSpPr>
+          <p:cNvPr id="86" name="Folded Corner 83">
+            <a:extLst>
+              <a:ext uri="{FF2B5EF4-FFF2-40B4-BE49-F238E27FC236}">
+                <a16:creationId xmlns:a16="http://schemas.microsoft.com/office/drawing/2014/main" id="{9FD6EDD9-5E0B-48B6-8FDE-8EED0AD7D0F0}"/>
+              </a:ext>
+            </a:extLst>
+          </p:cNvPr>
+          <p:cNvSpPr/>
+          <p:nvPr/>
+        </p:nvSpPr>
+        <p:spPr>
+          <a:xfrm>
+            <a:off x="8626735" y="1089597"/>
+            <a:ext cx="1212120" cy="985496"/>
+          </a:xfrm>
+          <a:prstGeom prst="foldedCorner">
+            <a:avLst/>
+          </a:prstGeom>
+          <a:solidFill>
+            <a:schemeClr val="bg1"/>
+          </a:solidFill>
+          <a:ln>
+            <a:solidFill>
+              <a:schemeClr val="tx1"/>
+            </a:solidFill>
+          </a:ln>
+        </p:spPr>
+        <p:style>
+          <a:lnRef idx="2">
+            <a:schemeClr val="accent5">
+              <a:shade val="50000"/>
+            </a:schemeClr>
+          </a:lnRef>
+          <a:fillRef idx="1">
+            <a:schemeClr val="accent5"/>
+          </a:fillRef>
+          <a:effectRef idx="0">
+            <a:schemeClr val="accent5"/>
+          </a:effectRef>
+          <a:fontRef idx="minor">
+            <a:schemeClr val="lt1"/>
+          </a:fontRef>
+        </p:style>
+        <p:txBody>
+          <a:bodyPr rtlCol="0" anchor="ctr"/>
+          <a:lstStyle/>
+          <a:p>
+            <a:pPr algn="ctr"/>
+            <a:endParaRPr lang="en-US"/>
+          </a:p>
+        </p:txBody>
+      </p:sp>
+      <p:sp>
+        <p:nvSpPr>
+          <p:cNvPr id="87" name="TextBox 86">
+            <a:extLst>
+              <a:ext uri="{FF2B5EF4-FFF2-40B4-BE49-F238E27FC236}">
+                <a16:creationId xmlns:a16="http://schemas.microsoft.com/office/drawing/2014/main" id="{0CCD2D67-FDCA-4957-BAE2-4531C46CE536}"/>
+              </a:ext>
+            </a:extLst>
+          </p:cNvPr>
+          <p:cNvSpPr txBox="1"/>
+          <p:nvPr/>
+        </p:nvSpPr>
+        <p:spPr>
+          <a:xfrm>
+            <a:off x="10026608" y="1398026"/>
+            <a:ext cx="1034257" cy="338554"/>
+          </a:xfrm>
+          <a:prstGeom prst="rect">
+            <a:avLst/>
+          </a:prstGeom>
+          <a:noFill/>
+        </p:spPr>
+        <p:txBody>
+          <a:bodyPr wrap="none" rtlCol="0">
+            <a:spAutoFit/>
+          </a:bodyPr>
+          <a:lstStyle/>
+          <a:p>
+            <a:pPr algn="ctr"/>
+            <a:r>
+              <a:rPr lang="en-US" sz="1600" dirty="0">
+                <a:latin typeface="Source Sans Pro" charset="0"/>
+                <a:ea typeface="Source Sans Pro" charset="0"/>
+                <a:cs typeface="Source Sans Pro" charset="0"/>
+              </a:rPr>
+              <a:t>Simulator</a:t>
+            </a:r>
+          </a:p>
+        </p:txBody>
+      </p:sp>
+      <p:sp>
+        <p:nvSpPr>
+          <p:cNvPr id="88" name="TextBox 87">
+            <a:extLst>
+              <a:ext uri="{FF2B5EF4-FFF2-40B4-BE49-F238E27FC236}">
+                <a16:creationId xmlns:a16="http://schemas.microsoft.com/office/drawing/2014/main" id="{5BA8F07F-A02E-4E53-BDB6-FE235979FBE0}"/>
+              </a:ext>
+            </a:extLst>
+          </p:cNvPr>
+          <p:cNvSpPr txBox="1"/>
+          <p:nvPr/>
+        </p:nvSpPr>
+        <p:spPr>
+          <a:xfrm>
+            <a:off x="8626734" y="1307128"/>
+            <a:ext cx="1195399" cy="584775"/>
+          </a:xfrm>
+          <a:prstGeom prst="rect">
+            <a:avLst/>
+          </a:prstGeom>
+          <a:noFill/>
+        </p:spPr>
+        <p:txBody>
+          <a:bodyPr wrap="square" rtlCol="0">
+            <a:spAutoFit/>
+          </a:bodyPr>
+          <a:lstStyle/>
+          <a:p>
+            <a:pPr algn="ctr"/>
+            <a:r>
+              <a:rPr lang="en-US" sz="1600" dirty="0">
+                <a:latin typeface="Source Sans Pro" charset="0"/>
+                <a:ea typeface="Source Sans Pro" charset="0"/>
+                <a:cs typeface="Source Sans Pro" charset="0"/>
+              </a:rPr>
+              <a:t>Application </a:t>
+            </a:r>
+            <a:br>
+              <a:rPr lang="en-US" sz="1600" dirty="0">
+                <a:latin typeface="Source Sans Pro" charset="0"/>
+                <a:ea typeface="Source Sans Pro" charset="0"/>
+                <a:cs typeface="Source Sans Pro" charset="0"/>
+              </a:rPr>
+            </a:br>
+            <a:r>
+              <a:rPr lang="en-US" sz="1600" dirty="0">
+                <a:latin typeface="Source Sans Pro" charset="0"/>
+                <a:ea typeface="Source Sans Pro" charset="0"/>
+                <a:cs typeface="Source Sans Pro" charset="0"/>
+              </a:rPr>
+              <a:t>Sources</a:t>
+            </a:r>
+          </a:p>
+        </p:txBody>
+      </p:sp>
     </p:spTree>
     <p:extLst>
       <p:ext uri="{BB962C8B-B14F-4D97-AF65-F5344CB8AC3E}">
@@ -6656,13 +6429,6 @@
   <p:clrMapOvr>
     <a:masterClrMapping/>
   </p:clrMapOvr>
-  <p:timing>
-    <p:tnLst>
-      <p:par>
-        <p:cTn id="1" dur="indefinite" restart="never" nodeType="tmRoot"/>
-      </p:par>
-    </p:tnLst>
-  </p:timing>
 </p:sld>
 </file>
 

--- a/overview/images/toolchain.pptx
+++ b/overview/images/toolchain.pptx
@@ -229,7 +229,7 @@
               <a:rPr lang="fr-FR" smtClean="0">
                 <a:latin typeface="Calibri Regular" charset="0"/>
               </a:rPr>
-              <a:t>septembre 21</a:t>
+              <a:t>novembre 22</a:t>
             </a:fld>
             <a:endParaRPr lang="en-US" dirty="0">
               <a:latin typeface="Calibri Regular" charset="0"/>
@@ -408,7 +408,7 @@
             <a:fld id="{79958FA1-9FE8-F149-AB4B-7DC9950B39E9}" type="datetime6">
               <a:rPr lang="fr-FR" smtClean="0"/>
               <a:pPr/>
-              <a:t>septembre 21</a:t>
+              <a:t>novembre 22</a:t>
             </a:fld>
             <a:endParaRPr lang="en-US" dirty="0"/>
           </a:p>
@@ -1163,7 +1163,7 @@
           <a:p>
             <a:fld id="{7E8DAAE0-7A9E-9F46-B84D-C44AC8DB25A2}" type="datetime6">
               <a:rPr lang="fr-FR" smtClean="0"/>
-              <a:t>septembre 21</a:t>
+              <a:t>novembre 22</a:t>
             </a:fld>
             <a:endParaRPr lang="en-US" dirty="0"/>
           </a:p>
@@ -1313,7 +1313,7 @@
           <a:p>
             <a:fld id="{F9582307-04DB-2F4D-BDB0-614E4902BA9E}" type="datetime6">
               <a:rPr lang="fr-FR" smtClean="0"/>
-              <a:t>septembre 21</a:t>
+              <a:t>novembre 22</a:t>
             </a:fld>
             <a:endParaRPr lang="en-US" dirty="0"/>
           </a:p>
@@ -1459,7 +1459,7 @@
           <a:p>
             <a:fld id="{180A4ADF-D2E2-C44F-9BED-DE909ECFAA4C}" type="datetime6">
               <a:rPr lang="fr-FR" smtClean="0"/>
-              <a:t>septembre 21</a:t>
+              <a:t>novembre 22</a:t>
             </a:fld>
             <a:endParaRPr lang="en-US" dirty="0"/>
           </a:p>
@@ -1660,7 +1660,7 @@
             <a:fld id="{22DD8F49-BF83-0E4D-8954-2DA98C3220A2}" type="datetime6">
               <a:rPr lang="fr-FR" smtClean="0"/>
               <a:pPr/>
-              <a:t>septembre 21</a:t>
+              <a:t>novembre 22</a:t>
             </a:fld>
             <a:endParaRPr lang="en-US" dirty="0"/>
           </a:p>
@@ -2609,7 +2609,7 @@
           <a:p>
             <a:fld id="{CFBFD163-B769-8340-9BFA-850DE925A786}" type="datetime6">
               <a:rPr lang="fr-FR" smtClean="0"/>
-              <a:t>septembre 21</a:t>
+              <a:t>novembre 22</a:t>
             </a:fld>
             <a:endParaRPr lang="en-US" dirty="0"/>
           </a:p>
@@ -2709,7 +2709,7 @@
           <a:p>
             <a:fld id="{D6DDDD81-934D-2440-96D5-710E55CF1726}" type="datetime6">
               <a:rPr lang="fr-FR" smtClean="0"/>
-              <a:t>septembre 21</a:t>
+              <a:t>novembre 22</a:t>
             </a:fld>
             <a:endParaRPr lang="en-US" dirty="0"/>
           </a:p>
@@ -3375,7 +3375,7 @@
           <a:p>
             <a:fld id="{9FC060DB-6E52-EB46-96C1-740CFB82B988}" type="datetime6">
               <a:rPr lang="fr-FR" smtClean="0"/>
-              <a:t>septembre 21</a:t>
+              <a:t>novembre 22</a:t>
             </a:fld>
             <a:endParaRPr lang="en-US" dirty="0"/>
           </a:p>
@@ -3516,7 +3516,7 @@
           <a:p>
             <a:fld id="{DF677A4E-A05D-044B-B606-EB8FC4116036}" type="datetime6">
               <a:rPr lang="fr-FR" smtClean="0"/>
-              <a:t>septembre 21</a:t>
+              <a:t>novembre 22</a:t>
             </a:fld>
             <a:endParaRPr lang="en-US" dirty="0"/>
           </a:p>
@@ -3791,7 +3791,7 @@
             <a:fld id="{22DD8F49-BF83-0E4D-8954-2DA98C3220A2}" type="datetime6">
               <a:rPr lang="fr-FR" smtClean="0"/>
               <a:pPr/>
-              <a:t>septembre 21</a:t>
+              <a:t>novembre 22</a:t>
             </a:fld>
             <a:endParaRPr lang="en-US" dirty="0"/>
           </a:p>
@@ -4314,7 +4314,7 @@
           <p:cNvPr id="77" name="Rounded Rectangle 62">
             <a:extLst>
               <a:ext uri="{FF2B5EF4-FFF2-40B4-BE49-F238E27FC236}">
-                <a16:creationId xmlns:a16="http://schemas.microsoft.com/office/drawing/2014/main" id="{FFBC32F8-7FE7-4F44-AAED-4DC038ED8849}"/>
+                <a16:creationId xmlns:a16="http://schemas.microsoft.com/office/drawing/2014/main" xmlns="" id="{FFBC32F8-7FE7-4F44-AAED-4DC038ED8849}"/>
               </a:ext>
             </a:extLst>
           </p:cNvPr>
@@ -4380,7 +4380,7 @@
         <p:spPr>
           <a:xfrm>
             <a:off x="2207568" y="2194314"/>
-            <a:ext cx="1986755" cy="307777"/>
+            <a:ext cx="2218249" cy="307777"/>
           </a:xfrm>
           <a:prstGeom prst="rect">
             <a:avLst/>
@@ -4394,12 +4394,12 @@
           <a:lstStyle/>
           <a:p>
             <a:r>
-              <a:rPr lang="en-US" sz="1400">
+              <a:rPr lang="en-US" sz="1400" dirty="0" smtClean="0">
                 <a:latin typeface="Source Sans Pro" charset="0"/>
                 <a:ea typeface="Source Sans Pro" charset="0"/>
                 <a:cs typeface="Source Sans Pro" charset="0"/>
               </a:rPr>
-              <a:t>Firmware Development</a:t>
+              <a:t>Executable Development</a:t>
             </a:r>
             <a:endParaRPr lang="en-US" sz="1400" dirty="0">
               <a:latin typeface="Source Sans Pro" charset="0"/>
@@ -4417,7 +4417,7 @@
         </p:nvGrpSpPr>
         <p:grpSpPr>
           <a:xfrm>
-            <a:off x="2110803" y="1091258"/>
+            <a:off x="1991544" y="1091258"/>
             <a:ext cx="985498" cy="985496"/>
             <a:chOff x="2234291" y="806998"/>
             <a:chExt cx="985498" cy="985496"/>
@@ -4495,13 +4495,18 @@
             <a:p>
               <a:pPr algn="ctr"/>
               <a:r>
-                <a:rPr lang="en-US" sz="1600" dirty="0">
+                <a:rPr lang="en-US" sz="1600" dirty="0" smtClean="0">
                   <a:latin typeface="Source Sans Pro" charset="0"/>
                   <a:ea typeface="Source Sans Pro" charset="0"/>
                   <a:cs typeface="Source Sans Pro" charset="0"/>
                 </a:rPr>
-                <a:t>Platform</a:t>
+                <a:t>VEE Port</a:t>
               </a:r>
+              <a:endParaRPr lang="en-US" sz="1600" dirty="0">
+                <a:latin typeface="Source Sans Pro" charset="0"/>
+                <a:ea typeface="Source Sans Pro" charset="0"/>
+                <a:cs typeface="Source Sans Pro" charset="0"/>
+              </a:endParaRPr>
             </a:p>
           </p:txBody>
         </p:sp>
@@ -4514,10 +4519,10 @@
         </p:nvGrpSpPr>
         <p:grpSpPr>
           <a:xfrm>
-            <a:off x="3278342" y="1091258"/>
-            <a:ext cx="1017400" cy="985496"/>
+            <a:off x="3131653" y="1091258"/>
+            <a:ext cx="1294163" cy="1416760"/>
             <a:chOff x="3401830" y="806998"/>
-            <a:chExt cx="1017400" cy="985496"/>
+            <a:chExt cx="1017400" cy="1416760"/>
           </a:xfrm>
         </p:grpSpPr>
         <p:sp>
@@ -4576,8 +4581,8 @@
           </p:nvSpPr>
           <p:spPr>
             <a:xfrm>
-              <a:off x="3401830" y="1013429"/>
-              <a:ext cx="1017400" cy="584775"/>
+              <a:off x="3401830" y="900319"/>
+              <a:ext cx="1017400" cy="1323439"/>
             </a:xfrm>
             <a:prstGeom prst="rect">
               <a:avLst/>
@@ -4592,13 +4597,29 @@
             <a:p>
               <a:pPr algn="ctr"/>
               <a:r>
-                <a:rPr lang="en-US" sz="1600" dirty="0">
+                <a:rPr lang="en-US" sz="1600" dirty="0" smtClean="0">
                   <a:latin typeface="Source Sans Pro" charset="0"/>
                   <a:ea typeface="Source Sans Pro" charset="0"/>
                   <a:cs typeface="Source Sans Pro" charset="0"/>
                 </a:rPr>
-                <a:t>Firmware</a:t>
+                <a:t>Standalone</a:t>
               </a:r>
+            </a:p>
+            <a:p>
+              <a:pPr algn="ctr"/>
+              <a:r>
+                <a:rPr lang="en-US" sz="1600" dirty="0" smtClean="0">
+                  <a:latin typeface="Source Sans Pro" charset="0"/>
+                  <a:ea typeface="Source Sans Pro" charset="0"/>
+                  <a:cs typeface="Source Sans Pro" charset="0"/>
+                </a:rPr>
+                <a:t>Application</a:t>
+              </a:r>
+              <a:endParaRPr lang="en-US" sz="1600" dirty="0">
+                <a:latin typeface="Source Sans Pro" charset="0"/>
+                <a:ea typeface="Source Sans Pro" charset="0"/>
+                <a:cs typeface="Source Sans Pro" charset="0"/>
+              </a:endParaRPr>
             </a:p>
             <a:p>
               <a:pPr algn="ctr"/>
@@ -4623,7 +4644,7 @@
         <p:spPr>
           <a:xfrm>
             <a:off x="2234292" y="3189259"/>
-            <a:ext cx="986733" cy="986733"/>
+            <a:ext cx="1044049" cy="986733"/>
           </a:xfrm>
           <a:prstGeom prst="foldedCorner">
             <a:avLst/>
@@ -4841,8 +4862,8 @@
         </p:nvSpPr>
         <p:spPr>
           <a:xfrm>
-            <a:off x="2238909" y="4704633"/>
-            <a:ext cx="986733" cy="986733"/>
+            <a:off x="2207568" y="4704633"/>
+            <a:ext cx="1081327" cy="986733"/>
           </a:xfrm>
           <a:prstGeom prst="foldedCorner">
             <a:avLst/>
@@ -4889,8 +4910,8 @@
         </p:nvSpPr>
         <p:spPr>
           <a:xfrm>
-            <a:off x="2196655" y="5009306"/>
-            <a:ext cx="1077830" cy="338554"/>
+            <a:off x="2196654" y="5009306"/>
+            <a:ext cx="1144877" cy="338554"/>
           </a:xfrm>
           <a:prstGeom prst="rect">
             <a:avLst/>
@@ -4905,13 +4926,18 @@
           <a:p>
             <a:pPr algn="ctr"/>
             <a:r>
-              <a:rPr lang="en-US" sz="1600" dirty="0">
+              <a:rPr lang="en-US" sz="1600" dirty="0" smtClean="0">
                 <a:latin typeface="Source Sans Pro" charset="0"/>
                 <a:ea typeface="Source Sans Pro" charset="0"/>
                 <a:cs typeface="Source Sans Pro" charset="0"/>
               </a:rPr>
-              <a:t>Firmware</a:t>
-            </a:r>
+              <a:t>Executable</a:t>
+            </a:r>
+            <a:endParaRPr lang="en-US" sz="1600" dirty="0">
+              <a:latin typeface="Source Sans Pro" charset="0"/>
+              <a:ea typeface="Source Sans Pro" charset="0"/>
+              <a:cs typeface="Source Sans Pro" charset="0"/>
+            </a:endParaRPr>
           </a:p>
         </p:txBody>
       </p:sp>
@@ -5133,8 +5159,8 @@
         </p:nvSpPr>
         <p:spPr>
           <a:xfrm>
-            <a:off x="3378502" y="5287403"/>
-            <a:ext cx="696024" cy="325602"/>
+            <a:off x="3378503" y="5287403"/>
+            <a:ext cx="696024" cy="323165"/>
           </a:xfrm>
           <a:prstGeom prst="rect">
             <a:avLst/>
@@ -5159,7 +5185,7 @@
               </a:spcAft>
             </a:pPr>
             <a:r>
-              <a:rPr lang="en-US" dirty="0">
+              <a:rPr lang="en-US" dirty="0" smtClean="0">
                 <a:solidFill>
                   <a:schemeClr val="accent2"/>
                 </a:solidFill>
@@ -5169,6 +5195,14 @@
               </a:rPr>
               <a:t>Flash</a:t>
             </a:r>
+            <a:endParaRPr lang="en-US" dirty="0">
+              <a:solidFill>
+                <a:schemeClr val="accent2"/>
+              </a:solidFill>
+              <a:latin typeface="Source Sans Pro" charset="0"/>
+              <a:ea typeface="Source Sans Pro" charset="0"/>
+              <a:cs typeface="Source Sans Pro" charset="0"/>
+            </a:endParaRPr>
           </a:p>
         </p:txBody>
       </p:sp>
@@ -5975,7 +6009,7 @@
           <p:cNvPr id="65" name="Rounded Rectangle 62">
             <a:extLst>
               <a:ext uri="{FF2B5EF4-FFF2-40B4-BE49-F238E27FC236}">
-                <a16:creationId xmlns:a16="http://schemas.microsoft.com/office/drawing/2014/main" id="{5498B47D-4673-4821-8A44-FD61DE0C0A54}"/>
+                <a16:creationId xmlns:a16="http://schemas.microsoft.com/office/drawing/2014/main" xmlns="" id="{5498B47D-4673-4821-8A44-FD61DE0C0A54}"/>
               </a:ext>
             </a:extLst>
           </p:cNvPr>
@@ -6037,7 +6071,7 @@
           <p:cNvPr id="66" name="TextBox 65">
             <a:extLst>
               <a:ext uri="{FF2B5EF4-FFF2-40B4-BE49-F238E27FC236}">
-                <a16:creationId xmlns:a16="http://schemas.microsoft.com/office/drawing/2014/main" id="{8DFD6733-8CA8-43B8-9F18-100107C30CB6}"/>
+                <a16:creationId xmlns:a16="http://schemas.microsoft.com/office/drawing/2014/main" xmlns="" id="{8DFD6733-8CA8-43B8-9F18-100107C30CB6}"/>
               </a:ext>
             </a:extLst>
           </p:cNvPr>
@@ -6081,7 +6115,7 @@
           <p:cNvPr id="74" name="Group 73">
             <a:extLst>
               <a:ext uri="{FF2B5EF4-FFF2-40B4-BE49-F238E27FC236}">
-                <a16:creationId xmlns:a16="http://schemas.microsoft.com/office/drawing/2014/main" id="{7FF33F19-9888-4F66-BE4C-C751E266E174}"/>
+                <a16:creationId xmlns:a16="http://schemas.microsoft.com/office/drawing/2014/main" xmlns="" id="{7FF33F19-9888-4F66-BE4C-C751E266E174}"/>
               </a:ext>
             </a:extLst>
           </p:cNvPr>
@@ -6101,7 +6135,7 @@
             <p:cNvPr id="75" name="Picture 74">
               <a:extLst>
                 <a:ext uri="{FF2B5EF4-FFF2-40B4-BE49-F238E27FC236}">
-                  <a16:creationId xmlns:a16="http://schemas.microsoft.com/office/drawing/2014/main" id="{6224E342-04FB-431E-A3B4-DCF83007F1BE}"/>
+                  <a16:creationId xmlns:a16="http://schemas.microsoft.com/office/drawing/2014/main" xmlns="" id="{6224E342-04FB-431E-A3B4-DCF83007F1BE}"/>
                 </a:ext>
               </a:extLst>
             </p:cNvPr>
@@ -6136,7 +6170,7 @@
             <p:cNvPr id="76" name="Picture 75">
               <a:extLst>
                 <a:ext uri="{FF2B5EF4-FFF2-40B4-BE49-F238E27FC236}">
-                  <a16:creationId xmlns:a16="http://schemas.microsoft.com/office/drawing/2014/main" id="{088EF5E7-45E0-4320-A8F8-522AD6D6F2DE}"/>
+                  <a16:creationId xmlns:a16="http://schemas.microsoft.com/office/drawing/2014/main" xmlns="" id="{088EF5E7-45E0-4320-A8F8-522AD6D6F2DE}"/>
                 </a:ext>
               </a:extLst>
             </p:cNvPr>
@@ -6177,7 +6211,7 @@
           <p:cNvPr id="81" name="Picture 80">
             <a:extLst>
               <a:ext uri="{FF2B5EF4-FFF2-40B4-BE49-F238E27FC236}">
-                <a16:creationId xmlns:a16="http://schemas.microsoft.com/office/drawing/2014/main" id="{632C71C2-A3DC-4674-82E6-F36D22CDF325}"/>
+                <a16:creationId xmlns:a16="http://schemas.microsoft.com/office/drawing/2014/main" xmlns="" id="{632C71C2-A3DC-4674-82E6-F36D22CDF325}"/>
               </a:ext>
             </a:extLst>
           </p:cNvPr>
@@ -6213,7 +6247,7 @@
           <p:cNvPr id="82" name="Rounded Rectangle 62">
             <a:extLst>
               <a:ext uri="{FF2B5EF4-FFF2-40B4-BE49-F238E27FC236}">
-                <a16:creationId xmlns:a16="http://schemas.microsoft.com/office/drawing/2014/main" id="{587678F1-E84F-4B79-9805-1B45E9B0CE6E}"/>
+                <a16:creationId xmlns:a16="http://schemas.microsoft.com/office/drawing/2014/main" xmlns="" id="{587678F1-E84F-4B79-9805-1B45E9B0CE6E}"/>
               </a:ext>
             </a:extLst>
           </p:cNvPr>
@@ -6275,7 +6309,7 @@
           <p:cNvPr id="86" name="Folded Corner 83">
             <a:extLst>
               <a:ext uri="{FF2B5EF4-FFF2-40B4-BE49-F238E27FC236}">
-                <a16:creationId xmlns:a16="http://schemas.microsoft.com/office/drawing/2014/main" id="{9FD6EDD9-5E0B-48B6-8FDE-8EED0AD7D0F0}"/>
+                <a16:creationId xmlns:a16="http://schemas.microsoft.com/office/drawing/2014/main" xmlns="" id="{9FD6EDD9-5E0B-48B6-8FDE-8EED0AD7D0F0}"/>
               </a:ext>
             </a:extLst>
           </p:cNvPr>
@@ -6329,7 +6363,7 @@
           <p:cNvPr id="87" name="TextBox 86">
             <a:extLst>
               <a:ext uri="{FF2B5EF4-FFF2-40B4-BE49-F238E27FC236}">
-                <a16:creationId xmlns:a16="http://schemas.microsoft.com/office/drawing/2014/main" id="{0CCD2D67-FDCA-4957-BAE2-4531C46CE536}"/>
+                <a16:creationId xmlns:a16="http://schemas.microsoft.com/office/drawing/2014/main" xmlns="" id="{0CCD2D67-FDCA-4957-BAE2-4531C46CE536}"/>
               </a:ext>
             </a:extLst>
           </p:cNvPr>
@@ -6369,7 +6403,7 @@
           <p:cNvPr id="88" name="TextBox 87">
             <a:extLst>
               <a:ext uri="{FF2B5EF4-FFF2-40B4-BE49-F238E27FC236}">
-                <a16:creationId xmlns:a16="http://schemas.microsoft.com/office/drawing/2014/main" id="{5BA8F07F-A02E-4E53-BDB6-FE235979FBE0}"/>
+                <a16:creationId xmlns:a16="http://schemas.microsoft.com/office/drawing/2014/main" xmlns="" id="{5BA8F07F-A02E-4E53-BDB6-FE235979FBE0}"/>
               </a:ext>
             </a:extLst>
           </p:cNvPr>
@@ -6378,8 +6412,8 @@
         </p:nvSpPr>
         <p:spPr>
           <a:xfrm>
-            <a:off x="8626734" y="1307128"/>
-            <a:ext cx="1195399" cy="584775"/>
+            <a:off x="8621975" y="1188574"/>
+            <a:ext cx="1195399" cy="830997"/>
           </a:xfrm>
           <a:prstGeom prst="rect">
             <a:avLst/>
@@ -6393,13 +6427,32 @@
           <a:lstStyle/>
           <a:p>
             <a:pPr algn="ctr"/>
+            <a:r>
+              <a:rPr lang="en-US" sz="1600" dirty="0" smtClean="0">
+                <a:latin typeface="Source Sans Pro" charset="0"/>
+                <a:ea typeface="Source Sans Pro" charset="0"/>
+                <a:cs typeface="Source Sans Pro" charset="0"/>
+              </a:rPr>
+              <a:t>Sandboxed</a:t>
+            </a:r>
+          </a:p>
+          <a:p>
+            <a:pPr algn="ctr"/>
+            <a:r>
+              <a:rPr lang="en-US" sz="1600" dirty="0" smtClean="0">
+                <a:latin typeface="Source Sans Pro" charset="0"/>
+                <a:ea typeface="Source Sans Pro" charset="0"/>
+                <a:cs typeface="Source Sans Pro" charset="0"/>
+              </a:rPr>
+              <a:t>Application </a:t>
+            </a:r>
             <a:r>
               <a:rPr lang="en-US" sz="1600" dirty="0">
                 <a:latin typeface="Source Sans Pro" charset="0"/>
                 <a:ea typeface="Source Sans Pro" charset="0"/>
                 <a:cs typeface="Source Sans Pro" charset="0"/>
               </a:rPr>
-              <a:t>Application </a:t>
+              <a:t/>
             </a:r>
             <a:br>
               <a:rPr lang="en-US" sz="1600" dirty="0">
@@ -6429,6 +6482,13 @@
   <p:clrMapOvr>
     <a:masterClrMapping/>
   </p:clrMapOvr>
+  <p:timing>
+    <p:tnLst>
+      <p:par>
+        <p:cTn id="1" dur="indefinite" restart="never" nodeType="tmRoot"/>
+      </p:par>
+    </p:tnLst>
+  </p:timing>
 </p:sld>
 </file>
 
